--- a/hw01.pptx
+++ b/hw01.pptx
@@ -4,8 +4,18 @@
   <p:sldMasterIdLst>
     <p:sldMasterId id="2147483648" r:id="rId1"/>
   </p:sldMasterIdLst>
+  <p:notesMasterIdLst>
+    <p:notesMasterId r:id="rId10"/>
+  </p:notesMasterIdLst>
   <p:sldIdLst>
     <p:sldId id="256" r:id="rId2"/>
+    <p:sldId id="257" r:id="rId3"/>
+    <p:sldId id="259" r:id="rId4"/>
+    <p:sldId id="260" r:id="rId5"/>
+    <p:sldId id="261" r:id="rId6"/>
+    <p:sldId id="262" r:id="rId7"/>
+    <p:sldId id="263" r:id="rId8"/>
+    <p:sldId id="264" r:id="rId9"/>
   </p:sldIdLst>
   <p:sldSz cx="12192000" cy="6858000"/>
   <p:notesSz cx="6858000" cy="9144000"/>
@@ -104,7 +114,1055 @@
       </a:defRPr>
     </a:lvl9pPr>
   </p:defaultTextStyle>
+  <p:extLst>
+    <p:ext uri="{EFAFB233-063F-42B5-8137-9DF3F51BA10A}">
+      <p15:sldGuideLst xmlns:p15="http://schemas.microsoft.com/office/powerpoint/2012/main"/>
+    </p:ext>
+  </p:extLst>
 </p:presentation>
+</file>
+
+<file path=ppt/notesMasters/notesMaster1.xml><?xml version="1.0" encoding="utf-8"?>
+<p:notesMaster xmlns:a="http://schemas.openxmlformats.org/drawingml/2006/main" xmlns:r="http://schemas.openxmlformats.org/officeDocument/2006/relationships" xmlns:p="http://schemas.openxmlformats.org/presentationml/2006/main">
+  <p:cSld>
+    <p:bg>
+      <p:bgRef idx="1001">
+        <a:schemeClr val="bg1"/>
+      </p:bgRef>
+    </p:bg>
+    <p:spTree>
+      <p:nvGrpSpPr>
+        <p:cNvPr id="1" name=""/>
+        <p:cNvGrpSpPr/>
+        <p:nvPr/>
+      </p:nvGrpSpPr>
+      <p:grpSpPr>
+        <a:xfrm>
+          <a:off x="0" y="0"/>
+          <a:ext cx="0" cy="0"/>
+          <a:chOff x="0" y="0"/>
+          <a:chExt cx="0" cy="0"/>
+        </a:xfrm>
+      </p:grpSpPr>
+      <p:sp>
+        <p:nvSpPr>
+          <p:cNvPr id="2" name="頁首版面配置區 1"/>
+          <p:cNvSpPr>
+            <a:spLocks noGrp="1"/>
+          </p:cNvSpPr>
+          <p:nvPr>
+            <p:ph type="hdr" sz="quarter"/>
+          </p:nvPr>
+        </p:nvSpPr>
+        <p:spPr>
+          <a:xfrm>
+            <a:off x="0" y="0"/>
+            <a:ext cx="2971800" cy="458788"/>
+          </a:xfrm>
+          <a:prstGeom prst="rect">
+            <a:avLst/>
+          </a:prstGeom>
+        </p:spPr>
+        <p:txBody>
+          <a:bodyPr vert="horz" lIns="91440" tIns="45720" rIns="91440" bIns="45720" rtlCol="0"/>
+          <a:lstStyle>
+            <a:lvl1pPr algn="l">
+              <a:defRPr sz="1200"/>
+            </a:lvl1pPr>
+          </a:lstStyle>
+          <a:p>
+            <a:endParaRPr lang="zh-TW" altLang="en-US"/>
+          </a:p>
+        </p:txBody>
+      </p:sp>
+      <p:sp>
+        <p:nvSpPr>
+          <p:cNvPr id="3" name="日期版面配置區 2"/>
+          <p:cNvSpPr>
+            <a:spLocks noGrp="1"/>
+          </p:cNvSpPr>
+          <p:nvPr>
+            <p:ph type="dt" idx="1"/>
+          </p:nvPr>
+        </p:nvSpPr>
+        <p:spPr>
+          <a:xfrm>
+            <a:off x="3884613" y="0"/>
+            <a:ext cx="2971800" cy="458788"/>
+          </a:xfrm>
+          <a:prstGeom prst="rect">
+            <a:avLst/>
+          </a:prstGeom>
+        </p:spPr>
+        <p:txBody>
+          <a:bodyPr vert="horz" lIns="91440" tIns="45720" rIns="91440" bIns="45720" rtlCol="0"/>
+          <a:lstStyle>
+            <a:lvl1pPr algn="r">
+              <a:defRPr sz="1200"/>
+            </a:lvl1pPr>
+          </a:lstStyle>
+          <a:p>
+            <a:fld id="{9BF386B8-60B3-4DD2-8710-EC8979A773D3}" type="datetimeFigureOut">
+              <a:rPr lang="zh-TW" altLang="en-US" smtClean="0"/>
+              <a:t>2024/10/22</a:t>
+            </a:fld>
+            <a:endParaRPr lang="zh-TW" altLang="en-US"/>
+          </a:p>
+        </p:txBody>
+      </p:sp>
+      <p:sp>
+        <p:nvSpPr>
+          <p:cNvPr id="4" name="投影片影像版面配置區 3"/>
+          <p:cNvSpPr>
+            <a:spLocks noGrp="1" noRot="1" noChangeAspect="1"/>
+          </p:cNvSpPr>
+          <p:nvPr>
+            <p:ph type="sldImg" idx="2"/>
+          </p:nvPr>
+        </p:nvSpPr>
+        <p:spPr>
+          <a:xfrm>
+            <a:off x="685800" y="1143000"/>
+            <a:ext cx="5486400" cy="3086100"/>
+          </a:xfrm>
+          <a:prstGeom prst="rect">
+            <a:avLst/>
+          </a:prstGeom>
+          <a:noFill/>
+          <a:ln w="12700">
+            <a:solidFill>
+              <a:prstClr val="black"/>
+            </a:solidFill>
+          </a:ln>
+        </p:spPr>
+        <p:txBody>
+          <a:bodyPr vert="horz" lIns="91440" tIns="45720" rIns="91440" bIns="45720" rtlCol="0" anchor="ctr"/>
+          <a:lstStyle/>
+          <a:p>
+            <a:endParaRPr lang="zh-TW" altLang="en-US"/>
+          </a:p>
+        </p:txBody>
+      </p:sp>
+      <p:sp>
+        <p:nvSpPr>
+          <p:cNvPr id="5" name="備忘稿版面配置區 4"/>
+          <p:cNvSpPr>
+            <a:spLocks noGrp="1"/>
+          </p:cNvSpPr>
+          <p:nvPr>
+            <p:ph type="body" sz="quarter" idx="3"/>
+          </p:nvPr>
+        </p:nvSpPr>
+        <p:spPr>
+          <a:xfrm>
+            <a:off x="685800" y="4400550"/>
+            <a:ext cx="5486400" cy="3600450"/>
+          </a:xfrm>
+          <a:prstGeom prst="rect">
+            <a:avLst/>
+          </a:prstGeom>
+        </p:spPr>
+        <p:txBody>
+          <a:bodyPr vert="horz" lIns="91440" tIns="45720" rIns="91440" bIns="45720" rtlCol="0"/>
+          <a:lstStyle/>
+          <a:p>
+            <a:pPr lvl="0"/>
+            <a:r>
+              <a:rPr lang="zh-TW" altLang="en-US"/>
+              <a:t>按一下以編輯母片文字樣式</a:t>
+            </a:r>
+          </a:p>
+          <a:p>
+            <a:pPr lvl="1"/>
+            <a:r>
+              <a:rPr lang="zh-TW" altLang="en-US"/>
+              <a:t>第二層</a:t>
+            </a:r>
+          </a:p>
+          <a:p>
+            <a:pPr lvl="2"/>
+            <a:r>
+              <a:rPr lang="zh-TW" altLang="en-US"/>
+              <a:t>第三層</a:t>
+            </a:r>
+          </a:p>
+          <a:p>
+            <a:pPr lvl="3"/>
+            <a:r>
+              <a:rPr lang="zh-TW" altLang="en-US"/>
+              <a:t>第四層</a:t>
+            </a:r>
+          </a:p>
+          <a:p>
+            <a:pPr lvl="4"/>
+            <a:r>
+              <a:rPr lang="zh-TW" altLang="en-US"/>
+              <a:t>第五層</a:t>
+            </a:r>
+          </a:p>
+        </p:txBody>
+      </p:sp>
+      <p:sp>
+        <p:nvSpPr>
+          <p:cNvPr id="6" name="頁尾版面配置區 5"/>
+          <p:cNvSpPr>
+            <a:spLocks noGrp="1"/>
+          </p:cNvSpPr>
+          <p:nvPr>
+            <p:ph type="ftr" sz="quarter" idx="4"/>
+          </p:nvPr>
+        </p:nvSpPr>
+        <p:spPr>
+          <a:xfrm>
+            <a:off x="0" y="8685213"/>
+            <a:ext cx="2971800" cy="458787"/>
+          </a:xfrm>
+          <a:prstGeom prst="rect">
+            <a:avLst/>
+          </a:prstGeom>
+        </p:spPr>
+        <p:txBody>
+          <a:bodyPr vert="horz" lIns="91440" tIns="45720" rIns="91440" bIns="45720" rtlCol="0" anchor="b"/>
+          <a:lstStyle>
+            <a:lvl1pPr algn="l">
+              <a:defRPr sz="1200"/>
+            </a:lvl1pPr>
+          </a:lstStyle>
+          <a:p>
+            <a:endParaRPr lang="zh-TW" altLang="en-US"/>
+          </a:p>
+        </p:txBody>
+      </p:sp>
+      <p:sp>
+        <p:nvSpPr>
+          <p:cNvPr id="7" name="投影片編號版面配置區 6"/>
+          <p:cNvSpPr>
+            <a:spLocks noGrp="1"/>
+          </p:cNvSpPr>
+          <p:nvPr>
+            <p:ph type="sldNum" sz="quarter" idx="5"/>
+          </p:nvPr>
+        </p:nvSpPr>
+        <p:spPr>
+          <a:xfrm>
+            <a:off x="3884613" y="8685213"/>
+            <a:ext cx="2971800" cy="458787"/>
+          </a:xfrm>
+          <a:prstGeom prst="rect">
+            <a:avLst/>
+          </a:prstGeom>
+        </p:spPr>
+        <p:txBody>
+          <a:bodyPr vert="horz" lIns="91440" tIns="45720" rIns="91440" bIns="45720" rtlCol="0" anchor="b"/>
+          <a:lstStyle>
+            <a:lvl1pPr algn="r">
+              <a:defRPr sz="1200"/>
+            </a:lvl1pPr>
+          </a:lstStyle>
+          <a:p>
+            <a:fld id="{00AC0041-FC2A-47A4-B2B7-4C155C5B0906}" type="slidenum">
+              <a:rPr lang="zh-TW" altLang="en-US" smtClean="0"/>
+              <a:t>‹#›</a:t>
+            </a:fld>
+            <a:endParaRPr lang="zh-TW" altLang="en-US"/>
+          </a:p>
+        </p:txBody>
+      </p:sp>
+    </p:spTree>
+    <p:extLst>
+      <p:ext uri="{BB962C8B-B14F-4D97-AF65-F5344CB8AC3E}">
+        <p14:creationId xmlns:p14="http://schemas.microsoft.com/office/powerpoint/2010/main" val="3770683183"/>
+      </p:ext>
+    </p:extLst>
+  </p:cSld>
+  <p:clrMap bg1="lt1" tx1="dk1" bg2="lt2" tx2="dk2" accent1="accent1" accent2="accent2" accent3="accent3" accent4="accent4" accent5="accent5" accent6="accent6" hlink="hlink" folHlink="folHlink"/>
+  <p:notesStyle>
+    <a:lvl1pPr marL="0" algn="l" defTabSz="914400" rtl="0" eaLnBrk="1" latinLnBrk="0" hangingPunct="1">
+      <a:defRPr sz="1200" kern="1200">
+        <a:solidFill>
+          <a:schemeClr val="tx1"/>
+        </a:solidFill>
+        <a:latin typeface="+mn-lt"/>
+        <a:ea typeface="+mn-ea"/>
+        <a:cs typeface="+mn-cs"/>
+      </a:defRPr>
+    </a:lvl1pPr>
+    <a:lvl2pPr marL="457200" algn="l" defTabSz="914400" rtl="0" eaLnBrk="1" latinLnBrk="0" hangingPunct="1">
+      <a:defRPr sz="1200" kern="1200">
+        <a:solidFill>
+          <a:schemeClr val="tx1"/>
+        </a:solidFill>
+        <a:latin typeface="+mn-lt"/>
+        <a:ea typeface="+mn-ea"/>
+        <a:cs typeface="+mn-cs"/>
+      </a:defRPr>
+    </a:lvl2pPr>
+    <a:lvl3pPr marL="914400" algn="l" defTabSz="914400" rtl="0" eaLnBrk="1" latinLnBrk="0" hangingPunct="1">
+      <a:defRPr sz="1200" kern="1200">
+        <a:solidFill>
+          <a:schemeClr val="tx1"/>
+        </a:solidFill>
+        <a:latin typeface="+mn-lt"/>
+        <a:ea typeface="+mn-ea"/>
+        <a:cs typeface="+mn-cs"/>
+      </a:defRPr>
+    </a:lvl3pPr>
+    <a:lvl4pPr marL="1371600" algn="l" defTabSz="914400" rtl="0" eaLnBrk="1" latinLnBrk="0" hangingPunct="1">
+      <a:defRPr sz="1200" kern="1200">
+        <a:solidFill>
+          <a:schemeClr val="tx1"/>
+        </a:solidFill>
+        <a:latin typeface="+mn-lt"/>
+        <a:ea typeface="+mn-ea"/>
+        <a:cs typeface="+mn-cs"/>
+      </a:defRPr>
+    </a:lvl4pPr>
+    <a:lvl5pPr marL="1828800" algn="l" defTabSz="914400" rtl="0" eaLnBrk="1" latinLnBrk="0" hangingPunct="1">
+      <a:defRPr sz="1200" kern="1200">
+        <a:solidFill>
+          <a:schemeClr val="tx1"/>
+        </a:solidFill>
+        <a:latin typeface="+mn-lt"/>
+        <a:ea typeface="+mn-ea"/>
+        <a:cs typeface="+mn-cs"/>
+      </a:defRPr>
+    </a:lvl5pPr>
+    <a:lvl6pPr marL="2286000" algn="l" defTabSz="914400" rtl="0" eaLnBrk="1" latinLnBrk="0" hangingPunct="1">
+      <a:defRPr sz="1200" kern="1200">
+        <a:solidFill>
+          <a:schemeClr val="tx1"/>
+        </a:solidFill>
+        <a:latin typeface="+mn-lt"/>
+        <a:ea typeface="+mn-ea"/>
+        <a:cs typeface="+mn-cs"/>
+      </a:defRPr>
+    </a:lvl6pPr>
+    <a:lvl7pPr marL="2743200" algn="l" defTabSz="914400" rtl="0" eaLnBrk="1" latinLnBrk="0" hangingPunct="1">
+      <a:defRPr sz="1200" kern="1200">
+        <a:solidFill>
+          <a:schemeClr val="tx1"/>
+        </a:solidFill>
+        <a:latin typeface="+mn-lt"/>
+        <a:ea typeface="+mn-ea"/>
+        <a:cs typeface="+mn-cs"/>
+      </a:defRPr>
+    </a:lvl7pPr>
+    <a:lvl8pPr marL="3200400" algn="l" defTabSz="914400" rtl="0" eaLnBrk="1" latinLnBrk="0" hangingPunct="1">
+      <a:defRPr sz="1200" kern="1200">
+        <a:solidFill>
+          <a:schemeClr val="tx1"/>
+        </a:solidFill>
+        <a:latin typeface="+mn-lt"/>
+        <a:ea typeface="+mn-ea"/>
+        <a:cs typeface="+mn-cs"/>
+      </a:defRPr>
+    </a:lvl8pPr>
+    <a:lvl9pPr marL="3657600" algn="l" defTabSz="914400" rtl="0" eaLnBrk="1" latinLnBrk="0" hangingPunct="1">
+      <a:defRPr sz="1200" kern="1200">
+        <a:solidFill>
+          <a:schemeClr val="tx1"/>
+        </a:solidFill>
+        <a:latin typeface="+mn-lt"/>
+        <a:ea typeface="+mn-ea"/>
+        <a:cs typeface="+mn-cs"/>
+      </a:defRPr>
+    </a:lvl9pPr>
+  </p:notesStyle>
+</p:notesMaster>
+</file>
+
+<file path=ppt/notesSlides/notesSlide1.xml><?xml version="1.0" encoding="utf-8"?>
+<p:notes xmlns:a="http://schemas.openxmlformats.org/drawingml/2006/main" xmlns:r="http://schemas.openxmlformats.org/officeDocument/2006/relationships" xmlns:p="http://schemas.openxmlformats.org/presentationml/2006/main">
+  <p:cSld>
+    <p:spTree>
+      <p:nvGrpSpPr>
+        <p:cNvPr id="1" name=""/>
+        <p:cNvGrpSpPr/>
+        <p:nvPr/>
+      </p:nvGrpSpPr>
+      <p:grpSpPr>
+        <a:xfrm>
+          <a:off x="0" y="0"/>
+          <a:ext cx="0" cy="0"/>
+          <a:chOff x="0" y="0"/>
+          <a:chExt cx="0" cy="0"/>
+        </a:xfrm>
+      </p:grpSpPr>
+      <p:sp>
+        <p:nvSpPr>
+          <p:cNvPr id="2" name="投影片影像版面配置區 1"/>
+          <p:cNvSpPr>
+            <a:spLocks noGrp="1" noRot="1" noChangeAspect="1"/>
+          </p:cNvSpPr>
+          <p:nvPr>
+            <p:ph type="sldImg"/>
+          </p:nvPr>
+        </p:nvSpPr>
+        <p:spPr/>
+      </p:sp>
+      <p:sp>
+        <p:nvSpPr>
+          <p:cNvPr id="3" name="備忘稿版面配置區 2"/>
+          <p:cNvSpPr>
+            <a:spLocks noGrp="1"/>
+          </p:cNvSpPr>
+          <p:nvPr>
+            <p:ph type="body" idx="1"/>
+          </p:nvPr>
+        </p:nvSpPr>
+        <p:spPr/>
+        <p:txBody>
+          <a:bodyPr/>
+          <a:lstStyle/>
+          <a:p>
+            <a:r>
+              <a:rPr lang="zh-TW" altLang="en-US" dirty="0"/>
+              <a:t>日本動漫風格的少年，凌亂的黑色頭髮、紅色且深邃的眼神、看起來冷峻、白色皮膚、穿著簡單服裝，正在讀著推理書籍，夢想是進入偵探事務所工作。</a:t>
+            </a:r>
+            <a:endParaRPr lang="en-US" altLang="zh-TW" dirty="0"/>
+          </a:p>
+          <a:p>
+            <a:endParaRPr lang="en-US" altLang="zh-TW" b="1" dirty="0"/>
+          </a:p>
+          <a:p>
+            <a:r>
+              <a:rPr lang="zh-TW" altLang="en-US" b="1" dirty="0"/>
+              <a:t>從小我就對推理解謎充滿興趣，目標是進入一家知名的偵探事務所工作。</a:t>
+            </a:r>
+          </a:p>
+        </p:txBody>
+      </p:sp>
+      <p:sp>
+        <p:nvSpPr>
+          <p:cNvPr id="4" name="投影片編號版面配置區 3"/>
+          <p:cNvSpPr>
+            <a:spLocks noGrp="1"/>
+          </p:cNvSpPr>
+          <p:nvPr>
+            <p:ph type="sldNum" sz="quarter" idx="5"/>
+          </p:nvPr>
+        </p:nvSpPr>
+        <p:spPr/>
+        <p:txBody>
+          <a:bodyPr/>
+          <a:lstStyle/>
+          <a:p>
+            <a:fld id="{00AC0041-FC2A-47A4-B2B7-4C155C5B0906}" type="slidenum">
+              <a:rPr lang="zh-TW" altLang="en-US" smtClean="0"/>
+              <a:t>2</a:t>
+            </a:fld>
+            <a:endParaRPr lang="zh-TW" altLang="en-US"/>
+          </a:p>
+        </p:txBody>
+      </p:sp>
+    </p:spTree>
+    <p:extLst>
+      <p:ext uri="{BB962C8B-B14F-4D97-AF65-F5344CB8AC3E}">
+        <p14:creationId xmlns:p14="http://schemas.microsoft.com/office/powerpoint/2010/main" val="3515996204"/>
+      </p:ext>
+    </p:extLst>
+  </p:cSld>
+  <p:clrMapOvr>
+    <a:masterClrMapping/>
+  </p:clrMapOvr>
+</p:notes>
+</file>
+
+<file path=ppt/notesSlides/notesSlide2.xml><?xml version="1.0" encoding="utf-8"?>
+<p:notes xmlns:a="http://schemas.openxmlformats.org/drawingml/2006/main" xmlns:r="http://schemas.openxmlformats.org/officeDocument/2006/relationships" xmlns:p="http://schemas.openxmlformats.org/presentationml/2006/main">
+  <p:cSld>
+    <p:spTree>
+      <p:nvGrpSpPr>
+        <p:cNvPr id="1" name=""/>
+        <p:cNvGrpSpPr/>
+        <p:nvPr/>
+      </p:nvGrpSpPr>
+      <p:grpSpPr>
+        <a:xfrm>
+          <a:off x="0" y="0"/>
+          <a:ext cx="0" cy="0"/>
+          <a:chOff x="0" y="0"/>
+          <a:chExt cx="0" cy="0"/>
+        </a:xfrm>
+      </p:grpSpPr>
+      <p:sp>
+        <p:nvSpPr>
+          <p:cNvPr id="2" name="投影片影像版面配置區 1"/>
+          <p:cNvSpPr>
+            <a:spLocks noGrp="1" noRot="1" noChangeAspect="1"/>
+          </p:cNvSpPr>
+          <p:nvPr>
+            <p:ph type="sldImg"/>
+          </p:nvPr>
+        </p:nvSpPr>
+        <p:spPr/>
+      </p:sp>
+      <p:sp>
+        <p:nvSpPr>
+          <p:cNvPr id="3" name="備忘稿版面配置區 2"/>
+          <p:cNvSpPr>
+            <a:spLocks noGrp="1"/>
+          </p:cNvSpPr>
+          <p:nvPr>
+            <p:ph type="body" idx="1"/>
+          </p:nvPr>
+        </p:nvSpPr>
+        <p:spPr/>
+        <p:txBody>
+          <a:bodyPr/>
+          <a:lstStyle/>
+          <a:p>
+            <a:r>
+              <a:rPr lang="zh-TW" altLang="en-US" b="0" dirty="0"/>
+              <a:t>日本動漫風格的少年，凌亂的黑色頭髮、紅色且深邃的眼神、看起來冷峻、白色皮膚、穿著簡單服裝，正在內克服自己的內向，不知道要不要與陌生人開口說話，站在角落看著其他人聊天。</a:t>
+            </a:r>
+            <a:endParaRPr lang="en-US" altLang="zh-TW" b="0" dirty="0"/>
+          </a:p>
+          <a:p>
+            <a:endParaRPr lang="en-US" altLang="zh-TW" b="0" dirty="0"/>
+          </a:p>
+          <a:p>
+            <a:r>
+              <a:rPr lang="zh-TW" altLang="en-US" b="1" dirty="0"/>
+              <a:t>然而，現實並不如想像那般簡單，入行的門檻高，而且我還要克服自身的內向性格，適應與人交往。</a:t>
+            </a:r>
+            <a:endParaRPr lang="en-US" altLang="zh-TW" b="1" dirty="0"/>
+          </a:p>
+          <a:p>
+            <a:endParaRPr lang="en-US" altLang="zh-TW" b="0" dirty="0"/>
+          </a:p>
+          <a:p>
+            <a:endParaRPr lang="zh-TW" altLang="en-US" b="0" dirty="0"/>
+          </a:p>
+        </p:txBody>
+      </p:sp>
+      <p:sp>
+        <p:nvSpPr>
+          <p:cNvPr id="4" name="投影片編號版面配置區 3"/>
+          <p:cNvSpPr>
+            <a:spLocks noGrp="1"/>
+          </p:cNvSpPr>
+          <p:nvPr>
+            <p:ph type="sldNum" sz="quarter" idx="5"/>
+          </p:nvPr>
+        </p:nvSpPr>
+        <p:spPr/>
+        <p:txBody>
+          <a:bodyPr/>
+          <a:lstStyle/>
+          <a:p>
+            <a:fld id="{00AC0041-FC2A-47A4-B2B7-4C155C5B0906}" type="slidenum">
+              <a:rPr lang="zh-TW" altLang="en-US" smtClean="0"/>
+              <a:t>3</a:t>
+            </a:fld>
+            <a:endParaRPr lang="zh-TW" altLang="en-US"/>
+          </a:p>
+        </p:txBody>
+      </p:sp>
+    </p:spTree>
+    <p:extLst>
+      <p:ext uri="{BB962C8B-B14F-4D97-AF65-F5344CB8AC3E}">
+        <p14:creationId xmlns:p14="http://schemas.microsoft.com/office/powerpoint/2010/main" val="531332006"/>
+      </p:ext>
+    </p:extLst>
+  </p:cSld>
+  <p:clrMapOvr>
+    <a:masterClrMapping/>
+  </p:clrMapOvr>
+</p:notes>
+</file>
+
+<file path=ppt/notesSlides/notesSlide3.xml><?xml version="1.0" encoding="utf-8"?>
+<p:notes xmlns:a="http://schemas.openxmlformats.org/drawingml/2006/main" xmlns:r="http://schemas.openxmlformats.org/officeDocument/2006/relationships" xmlns:p="http://schemas.openxmlformats.org/presentationml/2006/main">
+  <p:cSld>
+    <p:spTree>
+      <p:nvGrpSpPr>
+        <p:cNvPr id="1" name=""/>
+        <p:cNvGrpSpPr/>
+        <p:nvPr/>
+      </p:nvGrpSpPr>
+      <p:grpSpPr>
+        <a:xfrm>
+          <a:off x="0" y="0"/>
+          <a:ext cx="0" cy="0"/>
+          <a:chOff x="0" y="0"/>
+          <a:chExt cx="0" cy="0"/>
+        </a:xfrm>
+      </p:grpSpPr>
+      <p:sp>
+        <p:nvSpPr>
+          <p:cNvPr id="2" name="投影片影像版面配置區 1"/>
+          <p:cNvSpPr>
+            <a:spLocks noGrp="1" noRot="1" noChangeAspect="1"/>
+          </p:cNvSpPr>
+          <p:nvPr>
+            <p:ph type="sldImg"/>
+          </p:nvPr>
+        </p:nvSpPr>
+        <p:spPr/>
+      </p:sp>
+      <p:sp>
+        <p:nvSpPr>
+          <p:cNvPr id="3" name="備忘稿版面配置區 2"/>
+          <p:cNvSpPr>
+            <a:spLocks noGrp="1"/>
+          </p:cNvSpPr>
+          <p:nvPr>
+            <p:ph type="body" idx="1"/>
+          </p:nvPr>
+        </p:nvSpPr>
+        <p:spPr/>
+        <p:txBody>
+          <a:bodyPr/>
+          <a:lstStyle/>
+          <a:p>
+            <a:r>
+              <a:rPr lang="zh-TW" altLang="en-US" b="0" dirty="0"/>
+              <a:t>日本動漫風格的少年，凌亂的黑色頭髮、紅色且深邃的眼神、看起來冷峻、白色皮膚、穿著體育服裝，正在健身房內努力鍛鍊。</a:t>
+            </a:r>
+            <a:endParaRPr lang="en-US" altLang="zh-TW" b="0" dirty="0"/>
+          </a:p>
+          <a:p>
+            <a:endParaRPr lang="en-US" altLang="zh-TW" b="0" dirty="0"/>
+          </a:p>
+          <a:p>
+            <a:r>
+              <a:rPr lang="zh-TW" altLang="en-US" b="1" dirty="0"/>
+              <a:t>儘管如此，我不斷學習和提升，解決身邊的各種小案件，期待這些努力能讓我脫穎而出。</a:t>
+            </a:r>
+            <a:endParaRPr lang="en-US" altLang="zh-TW" b="1" dirty="0"/>
+          </a:p>
+          <a:p>
+            <a:endParaRPr lang="zh-TW" altLang="en-US" b="0" dirty="0"/>
+          </a:p>
+        </p:txBody>
+      </p:sp>
+      <p:sp>
+        <p:nvSpPr>
+          <p:cNvPr id="4" name="投影片編號版面配置區 3"/>
+          <p:cNvSpPr>
+            <a:spLocks noGrp="1"/>
+          </p:cNvSpPr>
+          <p:nvPr>
+            <p:ph type="sldNum" sz="quarter" idx="5"/>
+          </p:nvPr>
+        </p:nvSpPr>
+        <p:spPr/>
+        <p:txBody>
+          <a:bodyPr/>
+          <a:lstStyle/>
+          <a:p>
+            <a:fld id="{00AC0041-FC2A-47A4-B2B7-4C155C5B0906}" type="slidenum">
+              <a:rPr lang="zh-TW" altLang="en-US" smtClean="0"/>
+              <a:t>4</a:t>
+            </a:fld>
+            <a:endParaRPr lang="zh-TW" altLang="en-US"/>
+          </a:p>
+        </p:txBody>
+      </p:sp>
+    </p:spTree>
+    <p:extLst>
+      <p:ext uri="{BB962C8B-B14F-4D97-AF65-F5344CB8AC3E}">
+        <p14:creationId xmlns:p14="http://schemas.microsoft.com/office/powerpoint/2010/main" val="195116539"/>
+      </p:ext>
+    </p:extLst>
+  </p:cSld>
+  <p:clrMapOvr>
+    <a:masterClrMapping/>
+  </p:clrMapOvr>
+</p:notes>
+</file>
+
+<file path=ppt/notesSlides/notesSlide4.xml><?xml version="1.0" encoding="utf-8"?>
+<p:notes xmlns:a="http://schemas.openxmlformats.org/drawingml/2006/main" xmlns:r="http://schemas.openxmlformats.org/officeDocument/2006/relationships" xmlns:p="http://schemas.openxmlformats.org/presentationml/2006/main">
+  <p:cSld>
+    <p:spTree>
+      <p:nvGrpSpPr>
+        <p:cNvPr id="1" name=""/>
+        <p:cNvGrpSpPr/>
+        <p:nvPr/>
+      </p:nvGrpSpPr>
+      <p:grpSpPr>
+        <a:xfrm>
+          <a:off x="0" y="0"/>
+          <a:ext cx="0" cy="0"/>
+          <a:chOff x="0" y="0"/>
+          <a:chExt cx="0" cy="0"/>
+        </a:xfrm>
+      </p:grpSpPr>
+      <p:sp>
+        <p:nvSpPr>
+          <p:cNvPr id="2" name="投影片影像版面配置區 1"/>
+          <p:cNvSpPr>
+            <a:spLocks noGrp="1" noRot="1" noChangeAspect="1"/>
+          </p:cNvSpPr>
+          <p:nvPr>
+            <p:ph type="sldImg"/>
+          </p:nvPr>
+        </p:nvSpPr>
+        <p:spPr/>
+      </p:sp>
+      <p:sp>
+        <p:nvSpPr>
+          <p:cNvPr id="3" name="備忘稿版面配置區 2"/>
+          <p:cNvSpPr>
+            <a:spLocks noGrp="1"/>
+          </p:cNvSpPr>
+          <p:nvPr>
+            <p:ph type="body" idx="1"/>
+          </p:nvPr>
+        </p:nvSpPr>
+        <p:spPr/>
+        <p:txBody>
+          <a:bodyPr/>
+          <a:lstStyle/>
+          <a:p>
+            <a:r>
+              <a:rPr lang="zh-TW" altLang="en-US" b="0" dirty="0"/>
+              <a:t>日本動漫風格的少年，凌亂的黑色頭髮、紅色且深邃的眼神、看起來冷峻、白色皮膚、非常開心實現目標的樣子。</a:t>
+            </a:r>
+            <a:endParaRPr lang="en-US" altLang="zh-TW" b="0" dirty="0"/>
+          </a:p>
+          <a:p>
+            <a:endParaRPr lang="en-US" altLang="zh-TW" b="0" dirty="0"/>
+          </a:p>
+          <a:p>
+            <a:r>
+              <a:rPr lang="zh-TW" altLang="en-US" b="1" dirty="0"/>
+              <a:t>結果，我成功進入一家小型事務所開始實習。</a:t>
+            </a:r>
+            <a:endParaRPr lang="en-US" altLang="zh-TW" b="1" dirty="0"/>
+          </a:p>
+          <a:p>
+            <a:endParaRPr lang="zh-TW" altLang="en-US" b="0" dirty="0"/>
+          </a:p>
+        </p:txBody>
+      </p:sp>
+      <p:sp>
+        <p:nvSpPr>
+          <p:cNvPr id="4" name="投影片編號版面配置區 3"/>
+          <p:cNvSpPr>
+            <a:spLocks noGrp="1"/>
+          </p:cNvSpPr>
+          <p:nvPr>
+            <p:ph type="sldNum" sz="quarter" idx="5"/>
+          </p:nvPr>
+        </p:nvSpPr>
+        <p:spPr/>
+        <p:txBody>
+          <a:bodyPr/>
+          <a:lstStyle/>
+          <a:p>
+            <a:fld id="{00AC0041-FC2A-47A4-B2B7-4C155C5B0906}" type="slidenum">
+              <a:rPr lang="zh-TW" altLang="en-US" smtClean="0"/>
+              <a:t>5</a:t>
+            </a:fld>
+            <a:endParaRPr lang="zh-TW" altLang="en-US"/>
+          </a:p>
+        </p:txBody>
+      </p:sp>
+    </p:spTree>
+    <p:extLst>
+      <p:ext uri="{BB962C8B-B14F-4D97-AF65-F5344CB8AC3E}">
+        <p14:creationId xmlns:p14="http://schemas.microsoft.com/office/powerpoint/2010/main" val="1856471578"/>
+      </p:ext>
+    </p:extLst>
+  </p:cSld>
+  <p:clrMapOvr>
+    <a:masterClrMapping/>
+  </p:clrMapOvr>
+</p:notes>
+</file>
+
+<file path=ppt/notesSlides/notesSlide5.xml><?xml version="1.0" encoding="utf-8"?>
+<p:notes xmlns:a="http://schemas.openxmlformats.org/drawingml/2006/main" xmlns:r="http://schemas.openxmlformats.org/officeDocument/2006/relationships" xmlns:p="http://schemas.openxmlformats.org/presentationml/2006/main">
+  <p:cSld>
+    <p:spTree>
+      <p:nvGrpSpPr>
+        <p:cNvPr id="1" name=""/>
+        <p:cNvGrpSpPr/>
+        <p:nvPr/>
+      </p:nvGrpSpPr>
+      <p:grpSpPr>
+        <a:xfrm>
+          <a:off x="0" y="0"/>
+          <a:ext cx="0" cy="0"/>
+          <a:chOff x="0" y="0"/>
+          <a:chExt cx="0" cy="0"/>
+        </a:xfrm>
+      </p:grpSpPr>
+      <p:sp>
+        <p:nvSpPr>
+          <p:cNvPr id="2" name="投影片影像版面配置區 1"/>
+          <p:cNvSpPr>
+            <a:spLocks noGrp="1" noRot="1" noChangeAspect="1"/>
+          </p:cNvSpPr>
+          <p:nvPr>
+            <p:ph type="sldImg"/>
+          </p:nvPr>
+        </p:nvSpPr>
+        <p:spPr/>
+      </p:sp>
+      <p:sp>
+        <p:nvSpPr>
+          <p:cNvPr id="3" name="備忘稿版面配置區 2"/>
+          <p:cNvSpPr>
+            <a:spLocks noGrp="1"/>
+          </p:cNvSpPr>
+          <p:nvPr>
+            <p:ph type="body" idx="1"/>
+          </p:nvPr>
+        </p:nvSpPr>
+        <p:spPr/>
+        <p:txBody>
+          <a:bodyPr/>
+          <a:lstStyle/>
+          <a:p>
+            <a:r>
+              <a:rPr lang="zh-TW" altLang="en-US" b="0" dirty="0"/>
+              <a:t>日本動漫風格的少年，凌亂的黑色頭髮、紅色且深邃的眼神、正在被一旁穿著西裝的上司罵得臭頭的樣子。</a:t>
+            </a:r>
+            <a:endParaRPr lang="en-US" altLang="zh-TW" b="0" dirty="0"/>
+          </a:p>
+          <a:p>
+            <a:endParaRPr lang="en-US" altLang="zh-TW" b="0" dirty="0"/>
+          </a:p>
+          <a:p>
+            <a:r>
+              <a:rPr lang="zh-TW" altLang="en-US" b="1" dirty="0"/>
+              <a:t>但在一次簡單的行蹤調查案件中，我卻搞砸了小小任務。</a:t>
+            </a:r>
+          </a:p>
+        </p:txBody>
+      </p:sp>
+      <p:sp>
+        <p:nvSpPr>
+          <p:cNvPr id="4" name="投影片編號版面配置區 3"/>
+          <p:cNvSpPr>
+            <a:spLocks noGrp="1"/>
+          </p:cNvSpPr>
+          <p:nvPr>
+            <p:ph type="sldNum" sz="quarter" idx="5"/>
+          </p:nvPr>
+        </p:nvSpPr>
+        <p:spPr/>
+        <p:txBody>
+          <a:bodyPr/>
+          <a:lstStyle/>
+          <a:p>
+            <a:fld id="{00AC0041-FC2A-47A4-B2B7-4C155C5B0906}" type="slidenum">
+              <a:rPr lang="zh-TW" altLang="en-US" smtClean="0"/>
+              <a:t>6</a:t>
+            </a:fld>
+            <a:endParaRPr lang="zh-TW" altLang="en-US"/>
+          </a:p>
+        </p:txBody>
+      </p:sp>
+    </p:spTree>
+    <p:extLst>
+      <p:ext uri="{BB962C8B-B14F-4D97-AF65-F5344CB8AC3E}">
+        <p14:creationId xmlns:p14="http://schemas.microsoft.com/office/powerpoint/2010/main" val="2586260962"/>
+      </p:ext>
+    </p:extLst>
+  </p:cSld>
+  <p:clrMapOvr>
+    <a:masterClrMapping/>
+  </p:clrMapOvr>
+</p:notes>
+</file>
+
+<file path=ppt/notesSlides/notesSlide6.xml><?xml version="1.0" encoding="utf-8"?>
+<p:notes xmlns:a="http://schemas.openxmlformats.org/drawingml/2006/main" xmlns:r="http://schemas.openxmlformats.org/officeDocument/2006/relationships" xmlns:p="http://schemas.openxmlformats.org/presentationml/2006/main">
+  <p:cSld>
+    <p:spTree>
+      <p:nvGrpSpPr>
+        <p:cNvPr id="1" name=""/>
+        <p:cNvGrpSpPr/>
+        <p:nvPr/>
+      </p:nvGrpSpPr>
+      <p:grpSpPr>
+        <a:xfrm>
+          <a:off x="0" y="0"/>
+          <a:ext cx="0" cy="0"/>
+          <a:chOff x="0" y="0"/>
+          <a:chExt cx="0" cy="0"/>
+        </a:xfrm>
+      </p:grpSpPr>
+      <p:sp>
+        <p:nvSpPr>
+          <p:cNvPr id="2" name="投影片影像版面配置區 1"/>
+          <p:cNvSpPr>
+            <a:spLocks noGrp="1" noRot="1" noChangeAspect="1"/>
+          </p:cNvSpPr>
+          <p:nvPr>
+            <p:ph type="sldImg"/>
+          </p:nvPr>
+        </p:nvSpPr>
+        <p:spPr/>
+      </p:sp>
+      <p:sp>
+        <p:nvSpPr>
+          <p:cNvPr id="3" name="備忘稿版面配置區 2"/>
+          <p:cNvSpPr>
+            <a:spLocks noGrp="1"/>
+          </p:cNvSpPr>
+          <p:nvPr>
+            <p:ph type="body" idx="1"/>
+          </p:nvPr>
+        </p:nvSpPr>
+        <p:spPr/>
+        <p:txBody>
+          <a:bodyPr/>
+          <a:lstStyle/>
+          <a:p>
+            <a:r>
+              <a:rPr lang="zh-TW" altLang="en-US" b="0" dirty="0"/>
+              <a:t>日本動漫風格的少年，凌亂的黑色頭髮、紅色且深邃的眼神、正受到一旁資深偵探鼓舞，給予建議，使其又充滿自信。</a:t>
+            </a:r>
+            <a:endParaRPr lang="en-US" altLang="zh-TW" b="0" dirty="0"/>
+          </a:p>
+          <a:p>
+            <a:endParaRPr lang="en-US" altLang="zh-TW" b="0" dirty="0"/>
+          </a:p>
+          <a:p>
+            <a:r>
+              <a:rPr lang="zh-TW" altLang="en-US" b="1" dirty="0"/>
+              <a:t>公司內的一位資深偵探，她看見了我努力的精神，給了建議讓我重新調整了方向。</a:t>
+            </a:r>
+          </a:p>
+        </p:txBody>
+      </p:sp>
+      <p:sp>
+        <p:nvSpPr>
+          <p:cNvPr id="4" name="投影片編號版面配置區 3"/>
+          <p:cNvSpPr>
+            <a:spLocks noGrp="1"/>
+          </p:cNvSpPr>
+          <p:nvPr>
+            <p:ph type="sldNum" sz="quarter" idx="5"/>
+          </p:nvPr>
+        </p:nvSpPr>
+        <p:spPr/>
+        <p:txBody>
+          <a:bodyPr/>
+          <a:lstStyle/>
+          <a:p>
+            <a:fld id="{00AC0041-FC2A-47A4-B2B7-4C155C5B0906}" type="slidenum">
+              <a:rPr lang="zh-TW" altLang="en-US" smtClean="0"/>
+              <a:t>7</a:t>
+            </a:fld>
+            <a:endParaRPr lang="zh-TW" altLang="en-US"/>
+          </a:p>
+        </p:txBody>
+      </p:sp>
+    </p:spTree>
+    <p:extLst>
+      <p:ext uri="{BB962C8B-B14F-4D97-AF65-F5344CB8AC3E}">
+        <p14:creationId xmlns:p14="http://schemas.microsoft.com/office/powerpoint/2010/main" val="4195296734"/>
+      </p:ext>
+    </p:extLst>
+  </p:cSld>
+  <p:clrMapOvr>
+    <a:masterClrMapping/>
+  </p:clrMapOvr>
+</p:notes>
+</file>
+
+<file path=ppt/notesSlides/notesSlide7.xml><?xml version="1.0" encoding="utf-8"?>
+<p:notes xmlns:a="http://schemas.openxmlformats.org/drawingml/2006/main" xmlns:r="http://schemas.openxmlformats.org/officeDocument/2006/relationships" xmlns:p="http://schemas.openxmlformats.org/presentationml/2006/main">
+  <p:cSld>
+    <p:spTree>
+      <p:nvGrpSpPr>
+        <p:cNvPr id="1" name=""/>
+        <p:cNvGrpSpPr/>
+        <p:nvPr/>
+      </p:nvGrpSpPr>
+      <p:grpSpPr>
+        <a:xfrm>
+          <a:off x="0" y="0"/>
+          <a:ext cx="0" cy="0"/>
+          <a:chOff x="0" y="0"/>
+          <a:chExt cx="0" cy="0"/>
+        </a:xfrm>
+      </p:grpSpPr>
+      <p:sp>
+        <p:nvSpPr>
+          <p:cNvPr id="2" name="投影片影像版面配置區 1"/>
+          <p:cNvSpPr>
+            <a:spLocks noGrp="1" noRot="1" noChangeAspect="1"/>
+          </p:cNvSpPr>
+          <p:nvPr>
+            <p:ph type="sldImg"/>
+          </p:nvPr>
+        </p:nvSpPr>
+        <p:spPr/>
+      </p:sp>
+      <p:sp>
+        <p:nvSpPr>
+          <p:cNvPr id="3" name="備忘稿版面配置區 2"/>
+          <p:cNvSpPr>
+            <a:spLocks noGrp="1"/>
+          </p:cNvSpPr>
+          <p:nvPr>
+            <p:ph type="body" idx="1"/>
+          </p:nvPr>
+        </p:nvSpPr>
+        <p:spPr/>
+        <p:txBody>
+          <a:bodyPr/>
+          <a:lstStyle/>
+          <a:p>
+            <a:r>
+              <a:rPr lang="zh-TW" altLang="en-US" b="0" dirty="0"/>
+              <a:t>日本動漫風格的少年，凌亂的黑色頭髮、紅色且深邃的眼神、看起來充滿希望，舉起手準備往下一個目標邁進。</a:t>
+            </a:r>
+            <a:endParaRPr lang="en-US" altLang="zh-TW" b="0" dirty="0"/>
+          </a:p>
+          <a:p>
+            <a:endParaRPr lang="en-US" altLang="zh-TW" b="0" dirty="0"/>
+          </a:p>
+          <a:p>
+            <a:r>
+              <a:rPr lang="zh-TW" altLang="en-US" b="1" dirty="0"/>
+              <a:t>我繼續獲得了向前的動力，期望有朝一日成為名偵探。</a:t>
+            </a:r>
+          </a:p>
+        </p:txBody>
+      </p:sp>
+      <p:sp>
+        <p:nvSpPr>
+          <p:cNvPr id="4" name="投影片編號版面配置區 3"/>
+          <p:cNvSpPr>
+            <a:spLocks noGrp="1"/>
+          </p:cNvSpPr>
+          <p:nvPr>
+            <p:ph type="sldNum" sz="quarter" idx="5"/>
+          </p:nvPr>
+        </p:nvSpPr>
+        <p:spPr/>
+        <p:txBody>
+          <a:bodyPr/>
+          <a:lstStyle/>
+          <a:p>
+            <a:fld id="{00AC0041-FC2A-47A4-B2B7-4C155C5B0906}" type="slidenum">
+              <a:rPr lang="zh-TW" altLang="en-US" smtClean="0"/>
+              <a:t>8</a:t>
+            </a:fld>
+            <a:endParaRPr lang="zh-TW" altLang="en-US"/>
+          </a:p>
+        </p:txBody>
+      </p:sp>
+    </p:spTree>
+    <p:extLst>
+      <p:ext uri="{BB962C8B-B14F-4D97-AF65-F5344CB8AC3E}">
+        <p14:creationId xmlns:p14="http://schemas.microsoft.com/office/powerpoint/2010/main" val="3972631155"/>
+      </p:ext>
+    </p:extLst>
+  </p:cSld>
+  <p:clrMapOvr>
+    <a:masterClrMapping/>
+  </p:clrMapOvr>
+</p:notes>
 </file>
 
 <file path=ppt/slideLayouts/slideLayout1.xml><?xml version="1.0" encoding="utf-8"?>
@@ -254,7 +1312,7 @@
           <a:p>
             <a:fld id="{C3C90D7E-32D6-4894-AE08-7BBB3E610FC9}" type="datetimeFigureOut">
               <a:rPr lang="zh-TW" altLang="en-US" smtClean="0"/>
-              <a:t>2024/9/16</a:t>
+              <a:t>2024/10/22</a:t>
             </a:fld>
             <a:endParaRPr lang="zh-TW" altLang="en-US"/>
           </a:p>
@@ -452,7 +1510,7 @@
           <a:p>
             <a:fld id="{C3C90D7E-32D6-4894-AE08-7BBB3E610FC9}" type="datetimeFigureOut">
               <a:rPr lang="zh-TW" altLang="en-US" smtClean="0"/>
-              <a:t>2024/9/16</a:t>
+              <a:t>2024/10/22</a:t>
             </a:fld>
             <a:endParaRPr lang="zh-TW" altLang="en-US"/>
           </a:p>
@@ -660,7 +1718,7 @@
           <a:p>
             <a:fld id="{C3C90D7E-32D6-4894-AE08-7BBB3E610FC9}" type="datetimeFigureOut">
               <a:rPr lang="zh-TW" altLang="en-US" smtClean="0"/>
-              <a:t>2024/9/16</a:t>
+              <a:t>2024/10/22</a:t>
             </a:fld>
             <a:endParaRPr lang="zh-TW" altLang="en-US"/>
           </a:p>
@@ -858,7 +1916,7 @@
           <a:p>
             <a:fld id="{C3C90D7E-32D6-4894-AE08-7BBB3E610FC9}" type="datetimeFigureOut">
               <a:rPr lang="zh-TW" altLang="en-US" smtClean="0"/>
-              <a:t>2024/9/16</a:t>
+              <a:t>2024/10/22</a:t>
             </a:fld>
             <a:endParaRPr lang="zh-TW" altLang="en-US"/>
           </a:p>
@@ -1133,7 +2191,7 @@
           <a:p>
             <a:fld id="{C3C90D7E-32D6-4894-AE08-7BBB3E610FC9}" type="datetimeFigureOut">
               <a:rPr lang="zh-TW" altLang="en-US" smtClean="0"/>
-              <a:t>2024/9/16</a:t>
+              <a:t>2024/10/22</a:t>
             </a:fld>
             <a:endParaRPr lang="zh-TW" altLang="en-US"/>
           </a:p>
@@ -1398,7 +2456,7 @@
           <a:p>
             <a:fld id="{C3C90D7E-32D6-4894-AE08-7BBB3E610FC9}" type="datetimeFigureOut">
               <a:rPr lang="zh-TW" altLang="en-US" smtClean="0"/>
-              <a:t>2024/9/16</a:t>
+              <a:t>2024/10/22</a:t>
             </a:fld>
             <a:endParaRPr lang="zh-TW" altLang="en-US"/>
           </a:p>
@@ -1810,7 +2868,7 @@
           <a:p>
             <a:fld id="{C3C90D7E-32D6-4894-AE08-7BBB3E610FC9}" type="datetimeFigureOut">
               <a:rPr lang="zh-TW" altLang="en-US" smtClean="0"/>
-              <a:t>2024/9/16</a:t>
+              <a:t>2024/10/22</a:t>
             </a:fld>
             <a:endParaRPr lang="zh-TW" altLang="en-US"/>
           </a:p>
@@ -1951,7 +3009,7 @@
           <a:p>
             <a:fld id="{C3C90D7E-32D6-4894-AE08-7BBB3E610FC9}" type="datetimeFigureOut">
               <a:rPr lang="zh-TW" altLang="en-US" smtClean="0"/>
-              <a:t>2024/9/16</a:t>
+              <a:t>2024/10/22</a:t>
             </a:fld>
             <a:endParaRPr lang="zh-TW" altLang="en-US"/>
           </a:p>
@@ -2064,7 +3122,7 @@
           <a:p>
             <a:fld id="{C3C90D7E-32D6-4894-AE08-7BBB3E610FC9}" type="datetimeFigureOut">
               <a:rPr lang="zh-TW" altLang="en-US" smtClean="0"/>
-              <a:t>2024/9/16</a:t>
+              <a:t>2024/10/22</a:t>
             </a:fld>
             <a:endParaRPr lang="zh-TW" altLang="en-US"/>
           </a:p>
@@ -2375,7 +3433,7 @@
           <a:p>
             <a:fld id="{C3C90D7E-32D6-4894-AE08-7BBB3E610FC9}" type="datetimeFigureOut">
               <a:rPr lang="zh-TW" altLang="en-US" smtClean="0"/>
-              <a:t>2024/9/16</a:t>
+              <a:t>2024/10/22</a:t>
             </a:fld>
             <a:endParaRPr lang="zh-TW" altLang="en-US"/>
           </a:p>
@@ -2663,7 +3721,7 @@
           <a:p>
             <a:fld id="{C3C90D7E-32D6-4894-AE08-7BBB3E610FC9}" type="datetimeFigureOut">
               <a:rPr lang="zh-TW" altLang="en-US" smtClean="0"/>
-              <a:t>2024/9/16</a:t>
+              <a:t>2024/10/22</a:t>
             </a:fld>
             <a:endParaRPr lang="zh-TW" altLang="en-US"/>
           </a:p>
@@ -2904,7 +3962,7 @@
           <a:p>
             <a:fld id="{C3C90D7E-32D6-4894-AE08-7BBB3E610FC9}" type="datetimeFigureOut">
               <a:rPr lang="zh-TW" altLang="en-US" smtClean="0"/>
-              <a:t>2024/9/16</a:t>
+              <a:t>2024/10/22</a:t>
             </a:fld>
             <a:endParaRPr lang="zh-TW" altLang="en-US"/>
           </a:p>
@@ -3307,6 +4365,14 @@
 <file path=ppt/slides/slide1.xml><?xml version="1.0" encoding="utf-8"?>
 <p:sld xmlns:a="http://schemas.openxmlformats.org/drawingml/2006/main" xmlns:r="http://schemas.openxmlformats.org/officeDocument/2006/relationships" xmlns:p="http://schemas.openxmlformats.org/presentationml/2006/main">
   <p:cSld>
+    <p:bg>
+      <p:bgPr>
+        <a:solidFill>
+          <a:srgbClr val="7A001D"/>
+        </a:solidFill>
+        <a:effectLst/>
+      </p:bgPr>
+    </p:bg>
     <p:spTree>
       <p:nvGrpSpPr>
         <p:cNvPr id="1" name=""/>
@@ -3337,37 +4403,80 @@
             <p:ph type="ctrTitle"/>
           </p:nvPr>
         </p:nvSpPr>
-        <p:spPr/>
-        <p:txBody>
-          <a:bodyPr/>
-          <a:lstStyle/>
-          <a:p>
-            <a:endParaRPr lang="zh-TW" altLang="en-US"/>
-          </a:p>
-        </p:txBody>
-      </p:sp>
-      <p:sp>
-        <p:nvSpPr>
-          <p:cNvPr id="3" name="副標題 2">
-            <a:extLst>
-              <a:ext uri="{FF2B5EF4-FFF2-40B4-BE49-F238E27FC236}">
-                <a16:creationId xmlns:a16="http://schemas.microsoft.com/office/drawing/2014/main" id="{8C946F38-524D-4B98-B9CB-80AEE57E455A}"/>
-              </a:ext>
-            </a:extLst>
-          </p:cNvPr>
-          <p:cNvSpPr>
-            <a:spLocks noGrp="1"/>
-          </p:cNvSpPr>
-          <p:nvPr>
-            <p:ph type="subTitle" idx="1"/>
-          </p:nvPr>
-        </p:nvSpPr>
-        <p:spPr/>
-        <p:txBody>
-          <a:bodyPr/>
-          <a:lstStyle/>
-          <a:p>
-            <a:endParaRPr lang="zh-TW" altLang="en-US"/>
+        <p:spPr>
+          <a:xfrm>
+            <a:off x="79025" y="1195387"/>
+            <a:ext cx="6350349" cy="2971799"/>
+          </a:xfrm>
+          <a:noFill/>
+        </p:spPr>
+        <p:txBody>
+          <a:bodyPr>
+            <a:normAutofit/>
+          </a:bodyPr>
+          <a:lstStyle/>
+          <a:p>
+            <a:pPr>
+              <a:lnSpc>
+                <a:spcPct val="150000"/>
+              </a:lnSpc>
+            </a:pPr>
+            <a:r>
+              <a:rPr lang="zh-TW" altLang="en-US" dirty="0">
+                <a:solidFill>
+                  <a:schemeClr val="bg1"/>
+                </a:solidFill>
+                <a:latin typeface="微軟正黑體" panose="020B0604030504040204" pitchFamily="34" charset="-120"/>
+                <a:ea typeface="微軟正黑體" panose="020B0604030504040204" pitchFamily="34" charset="-120"/>
+              </a:rPr>
+              <a:t>自我介紹</a:t>
+            </a:r>
+            <a:br>
+              <a:rPr lang="en-US" altLang="zh-TW" dirty="0">
+                <a:solidFill>
+                  <a:schemeClr val="bg1"/>
+                </a:solidFill>
+                <a:latin typeface="微軟正黑體" panose="020B0604030504040204" pitchFamily="34" charset="-120"/>
+                <a:ea typeface="微軟正黑體" panose="020B0604030504040204" pitchFamily="34" charset="-120"/>
+              </a:rPr>
+            </a:br>
+            <a:r>
+              <a:rPr lang="en-US" altLang="zh-TW" dirty="0">
+                <a:solidFill>
+                  <a:schemeClr val="bg1"/>
+                </a:solidFill>
+                <a:latin typeface="微軟正黑體" panose="020B0604030504040204" pitchFamily="34" charset="-120"/>
+                <a:ea typeface="微軟正黑體" panose="020B0604030504040204" pitchFamily="34" charset="-120"/>
+              </a:rPr>
+              <a:t>(</a:t>
+            </a:r>
+            <a:r>
+              <a:rPr lang="en-US" altLang="zh-TW" dirty="0" err="1">
+                <a:solidFill>
+                  <a:schemeClr val="bg1"/>
+                </a:solidFill>
+                <a:latin typeface="微軟正黑體" panose="020B0604030504040204" pitchFamily="34" charset="-120"/>
+                <a:ea typeface="微軟正黑體" panose="020B0604030504040204" pitchFamily="34" charset="-120"/>
+              </a:rPr>
+              <a:t>nizima</a:t>
+            </a:r>
+            <a:r>
+              <a:rPr lang="en-US" altLang="zh-TW" dirty="0">
+                <a:solidFill>
+                  <a:schemeClr val="bg1"/>
+                </a:solidFill>
+                <a:latin typeface="微軟正黑體" panose="020B0604030504040204" pitchFamily="34" charset="-120"/>
+                <a:ea typeface="微軟正黑體" panose="020B0604030504040204" pitchFamily="34" charset="-120"/>
+              </a:rPr>
+              <a:t> LIVE)</a:t>
+            </a:r>
+            <a:endParaRPr lang="zh-TW" altLang="en-US" dirty="0">
+              <a:solidFill>
+                <a:schemeClr val="bg1"/>
+              </a:solidFill>
+              <a:latin typeface="微軟正黑體" panose="020B0604030504040204" pitchFamily="34" charset="-120"/>
+              <a:ea typeface="微軟正黑體" panose="020B0604030504040204" pitchFamily="34" charset="-120"/>
+            </a:endParaRPr>
           </a:p>
         </p:txBody>
       </p:sp>
@@ -3375,6 +4484,887 @@
     <p:extLst>
       <p:ext uri="{BB962C8B-B14F-4D97-AF65-F5344CB8AC3E}">
         <p14:creationId xmlns:p14="http://schemas.microsoft.com/office/powerpoint/2010/main" val="1328321055"/>
+      </p:ext>
+    </p:extLst>
+  </p:cSld>
+  <p:clrMapOvr>
+    <a:masterClrMapping/>
+  </p:clrMapOvr>
+</p:sld>
+</file>
+
+<file path=ppt/slides/slide2.xml><?xml version="1.0" encoding="utf-8"?>
+<p:sld xmlns:a="http://schemas.openxmlformats.org/drawingml/2006/main" xmlns:r="http://schemas.openxmlformats.org/officeDocument/2006/relationships" xmlns:p="http://schemas.openxmlformats.org/presentationml/2006/main">
+  <p:cSld>
+    <p:bg>
+      <p:bgPr>
+        <a:solidFill>
+          <a:srgbClr val="7A001D"/>
+        </a:solidFill>
+        <a:effectLst/>
+      </p:bgPr>
+    </p:bg>
+    <p:spTree>
+      <p:nvGrpSpPr>
+        <p:cNvPr id="1" name=""/>
+        <p:cNvGrpSpPr/>
+        <p:nvPr/>
+      </p:nvGrpSpPr>
+      <p:grpSpPr>
+        <a:xfrm>
+          <a:off x="0" y="0"/>
+          <a:ext cx="0" cy="0"/>
+          <a:chOff x="0" y="0"/>
+          <a:chExt cx="0" cy="0"/>
+        </a:xfrm>
+      </p:grpSpPr>
+      <p:sp>
+        <p:nvSpPr>
+          <p:cNvPr id="2" name="標題 1">
+            <a:extLst>
+              <a:ext uri="{FF2B5EF4-FFF2-40B4-BE49-F238E27FC236}">
+                <a16:creationId xmlns:a16="http://schemas.microsoft.com/office/drawing/2014/main" id="{32532283-9F93-4E44-8138-32796965361F}"/>
+              </a:ext>
+            </a:extLst>
+          </p:cNvPr>
+          <p:cNvSpPr>
+            <a:spLocks noGrp="1"/>
+          </p:cNvSpPr>
+          <p:nvPr>
+            <p:ph type="ctrTitle"/>
+          </p:nvPr>
+        </p:nvSpPr>
+        <p:spPr>
+          <a:xfrm>
+            <a:off x="74263" y="114300"/>
+            <a:ext cx="2283176" cy="900111"/>
+          </a:xfrm>
+          <a:noFill/>
+        </p:spPr>
+        <p:txBody>
+          <a:bodyPr>
+            <a:normAutofit/>
+          </a:bodyPr>
+          <a:lstStyle/>
+          <a:p>
+            <a:pPr>
+              <a:lnSpc>
+                <a:spcPct val="150000"/>
+              </a:lnSpc>
+            </a:pPr>
+            <a:r>
+              <a:rPr lang="en-US" altLang="zh-TW" sz="3600" dirty="0">
+                <a:solidFill>
+                  <a:schemeClr val="bg1"/>
+                </a:solidFill>
+                <a:latin typeface="微軟正黑體" panose="020B0604030504040204" pitchFamily="34" charset="-120"/>
+                <a:ea typeface="微軟正黑體" panose="020B0604030504040204" pitchFamily="34" charset="-120"/>
+              </a:rPr>
+              <a:t>1.</a:t>
+            </a:r>
+            <a:r>
+              <a:rPr lang="zh-TW" altLang="en-US" sz="3600" dirty="0">
+                <a:solidFill>
+                  <a:schemeClr val="bg1"/>
+                </a:solidFill>
+                <a:latin typeface="微軟正黑體" panose="020B0604030504040204" pitchFamily="34" charset="-120"/>
+                <a:ea typeface="微軟正黑體" panose="020B0604030504040204" pitchFamily="34" charset="-120"/>
+              </a:rPr>
+              <a:t>目標</a:t>
+            </a:r>
+          </a:p>
+        </p:txBody>
+      </p:sp>
+      <p:pic>
+        <p:nvPicPr>
+          <p:cNvPr id="4" name="圖片 3" descr="一張含有 日本動畫, 卡通, 圖書, 漫畫 的圖片&#10;&#10;自動產生的描述">
+            <a:extLst>
+              <a:ext uri="{FF2B5EF4-FFF2-40B4-BE49-F238E27FC236}">
+                <a16:creationId xmlns:a16="http://schemas.microsoft.com/office/drawing/2014/main" id="{A46864BA-2131-20DE-3573-F371CE7A9F91}"/>
+              </a:ext>
+            </a:extLst>
+          </p:cNvPr>
+          <p:cNvPicPr>
+            <a:picLocks noChangeAspect="1"/>
+          </p:cNvPicPr>
+          <p:nvPr/>
+        </p:nvPicPr>
+        <p:blipFill>
+          <a:blip r:embed="rId3"/>
+          <a:stretch>
+            <a:fillRect/>
+          </a:stretch>
+        </p:blipFill>
+        <p:spPr>
+          <a:xfrm>
+            <a:off x="508288" y="1109662"/>
+            <a:ext cx="5291138" cy="5291138"/>
+          </a:xfrm>
+          <a:prstGeom prst="rect">
+            <a:avLst/>
+          </a:prstGeom>
+        </p:spPr>
+      </p:pic>
+    </p:spTree>
+    <p:extLst>
+      <p:ext uri="{BB962C8B-B14F-4D97-AF65-F5344CB8AC3E}">
+        <p14:creationId xmlns:p14="http://schemas.microsoft.com/office/powerpoint/2010/main" val="3704817771"/>
+      </p:ext>
+    </p:extLst>
+  </p:cSld>
+  <p:clrMapOvr>
+    <a:masterClrMapping/>
+  </p:clrMapOvr>
+</p:sld>
+</file>
+
+<file path=ppt/slides/slide3.xml><?xml version="1.0" encoding="utf-8"?>
+<p:sld xmlns:a="http://schemas.openxmlformats.org/drawingml/2006/main" xmlns:r="http://schemas.openxmlformats.org/officeDocument/2006/relationships" xmlns:p="http://schemas.openxmlformats.org/presentationml/2006/main">
+  <p:cSld>
+    <p:bg>
+      <p:bgPr>
+        <a:solidFill>
+          <a:srgbClr val="7A001D"/>
+        </a:solidFill>
+        <a:effectLst/>
+      </p:bgPr>
+    </p:bg>
+    <p:spTree>
+      <p:nvGrpSpPr>
+        <p:cNvPr id="1" name=""/>
+        <p:cNvGrpSpPr/>
+        <p:nvPr/>
+      </p:nvGrpSpPr>
+      <p:grpSpPr>
+        <a:xfrm>
+          <a:off x="0" y="0"/>
+          <a:ext cx="0" cy="0"/>
+          <a:chOff x="0" y="0"/>
+          <a:chExt cx="0" cy="0"/>
+        </a:xfrm>
+      </p:grpSpPr>
+      <p:sp>
+        <p:nvSpPr>
+          <p:cNvPr id="2" name="標題 1">
+            <a:extLst>
+              <a:ext uri="{FF2B5EF4-FFF2-40B4-BE49-F238E27FC236}">
+                <a16:creationId xmlns:a16="http://schemas.microsoft.com/office/drawing/2014/main" id="{32532283-9F93-4E44-8138-32796965361F}"/>
+              </a:ext>
+            </a:extLst>
+          </p:cNvPr>
+          <p:cNvSpPr>
+            <a:spLocks noGrp="1"/>
+          </p:cNvSpPr>
+          <p:nvPr>
+            <p:ph type="ctrTitle"/>
+          </p:nvPr>
+        </p:nvSpPr>
+        <p:spPr>
+          <a:xfrm>
+            <a:off x="74263" y="114300"/>
+            <a:ext cx="2283176" cy="900111"/>
+          </a:xfrm>
+          <a:noFill/>
+        </p:spPr>
+        <p:txBody>
+          <a:bodyPr>
+            <a:normAutofit/>
+          </a:bodyPr>
+          <a:lstStyle/>
+          <a:p>
+            <a:pPr>
+              <a:lnSpc>
+                <a:spcPct val="150000"/>
+              </a:lnSpc>
+            </a:pPr>
+            <a:r>
+              <a:rPr lang="en-US" altLang="zh-TW" sz="3600" dirty="0">
+                <a:solidFill>
+                  <a:schemeClr val="bg1"/>
+                </a:solidFill>
+                <a:latin typeface="微軟正黑體" panose="020B0604030504040204" pitchFamily="34" charset="-120"/>
+                <a:ea typeface="微軟正黑體" panose="020B0604030504040204" pitchFamily="34" charset="-120"/>
+              </a:rPr>
+              <a:t>2.</a:t>
+            </a:r>
+            <a:r>
+              <a:rPr lang="zh-TW" altLang="en-US" sz="3600" dirty="0">
+                <a:solidFill>
+                  <a:schemeClr val="bg1"/>
+                </a:solidFill>
+                <a:latin typeface="微軟正黑體" panose="020B0604030504040204" pitchFamily="34" charset="-120"/>
+                <a:ea typeface="微軟正黑體" panose="020B0604030504040204" pitchFamily="34" charset="-120"/>
+              </a:rPr>
+              <a:t>阻礙</a:t>
+            </a:r>
+          </a:p>
+        </p:txBody>
+      </p:sp>
+      <p:pic>
+        <p:nvPicPr>
+          <p:cNvPr id="5" name="圖片 4" descr="一張含有 服裝, 日本動畫, 人員, 卡通 的圖片&#10;&#10;自動產生的描述">
+            <a:extLst>
+              <a:ext uri="{FF2B5EF4-FFF2-40B4-BE49-F238E27FC236}">
+                <a16:creationId xmlns:a16="http://schemas.microsoft.com/office/drawing/2014/main" id="{97456226-FA4E-CC1E-B1D4-F4FD1DCE69A3}"/>
+              </a:ext>
+            </a:extLst>
+          </p:cNvPr>
+          <p:cNvPicPr>
+            <a:picLocks noChangeAspect="1"/>
+          </p:cNvPicPr>
+          <p:nvPr/>
+        </p:nvPicPr>
+        <p:blipFill>
+          <a:blip r:embed="rId3"/>
+          <a:stretch>
+            <a:fillRect/>
+          </a:stretch>
+        </p:blipFill>
+        <p:spPr>
+          <a:xfrm>
+            <a:off x="605444" y="1014411"/>
+            <a:ext cx="5627716" cy="5627716"/>
+          </a:xfrm>
+          <a:prstGeom prst="rect">
+            <a:avLst/>
+          </a:prstGeom>
+        </p:spPr>
+      </p:pic>
+    </p:spTree>
+    <p:extLst>
+      <p:ext uri="{BB962C8B-B14F-4D97-AF65-F5344CB8AC3E}">
+        <p14:creationId xmlns:p14="http://schemas.microsoft.com/office/powerpoint/2010/main" val="886023224"/>
+      </p:ext>
+    </p:extLst>
+  </p:cSld>
+  <p:clrMapOvr>
+    <a:masterClrMapping/>
+  </p:clrMapOvr>
+</p:sld>
+</file>
+
+<file path=ppt/slides/slide4.xml><?xml version="1.0" encoding="utf-8"?>
+<p:sld xmlns:a="http://schemas.openxmlformats.org/drawingml/2006/main" xmlns:r="http://schemas.openxmlformats.org/officeDocument/2006/relationships" xmlns:p="http://schemas.openxmlformats.org/presentationml/2006/main">
+  <p:cSld>
+    <p:bg>
+      <p:bgPr>
+        <a:solidFill>
+          <a:srgbClr val="7A001D"/>
+        </a:solidFill>
+        <a:effectLst/>
+      </p:bgPr>
+    </p:bg>
+    <p:spTree>
+      <p:nvGrpSpPr>
+        <p:cNvPr id="1" name=""/>
+        <p:cNvGrpSpPr/>
+        <p:nvPr/>
+      </p:nvGrpSpPr>
+      <p:grpSpPr>
+        <a:xfrm>
+          <a:off x="0" y="0"/>
+          <a:ext cx="0" cy="0"/>
+          <a:chOff x="0" y="0"/>
+          <a:chExt cx="0" cy="0"/>
+        </a:xfrm>
+      </p:grpSpPr>
+      <p:sp>
+        <p:nvSpPr>
+          <p:cNvPr id="2" name="標題 1">
+            <a:extLst>
+              <a:ext uri="{FF2B5EF4-FFF2-40B4-BE49-F238E27FC236}">
+                <a16:creationId xmlns:a16="http://schemas.microsoft.com/office/drawing/2014/main" id="{32532283-9F93-4E44-8138-32796965361F}"/>
+              </a:ext>
+            </a:extLst>
+          </p:cNvPr>
+          <p:cNvSpPr>
+            <a:spLocks noGrp="1"/>
+          </p:cNvSpPr>
+          <p:nvPr>
+            <p:ph type="ctrTitle"/>
+          </p:nvPr>
+        </p:nvSpPr>
+        <p:spPr>
+          <a:xfrm>
+            <a:off x="74263" y="114300"/>
+            <a:ext cx="2283176" cy="900111"/>
+          </a:xfrm>
+          <a:noFill/>
+        </p:spPr>
+        <p:txBody>
+          <a:bodyPr>
+            <a:normAutofit/>
+          </a:bodyPr>
+          <a:lstStyle/>
+          <a:p>
+            <a:pPr>
+              <a:lnSpc>
+                <a:spcPct val="150000"/>
+              </a:lnSpc>
+            </a:pPr>
+            <a:r>
+              <a:rPr lang="en-US" altLang="zh-TW" sz="3600" dirty="0">
+                <a:solidFill>
+                  <a:schemeClr val="bg1"/>
+                </a:solidFill>
+                <a:latin typeface="微軟正黑體" panose="020B0604030504040204" pitchFamily="34" charset="-120"/>
+                <a:ea typeface="微軟正黑體" panose="020B0604030504040204" pitchFamily="34" charset="-120"/>
+              </a:rPr>
+              <a:t>3.</a:t>
+            </a:r>
+            <a:r>
+              <a:rPr lang="zh-TW" altLang="en-US" sz="3600" dirty="0">
+                <a:solidFill>
+                  <a:schemeClr val="bg1"/>
+                </a:solidFill>
+                <a:latin typeface="微軟正黑體" panose="020B0604030504040204" pitchFamily="34" charset="-120"/>
+                <a:ea typeface="微軟正黑體" panose="020B0604030504040204" pitchFamily="34" charset="-120"/>
+              </a:rPr>
+              <a:t>努力</a:t>
+            </a:r>
+          </a:p>
+        </p:txBody>
+      </p:sp>
+      <p:pic>
+        <p:nvPicPr>
+          <p:cNvPr id="4" name="圖片 3" descr="一張含有 日本動畫, 卡通, 圖書, 漫畫 的圖片&#10;&#10;自動產生的描述">
+            <a:extLst>
+              <a:ext uri="{FF2B5EF4-FFF2-40B4-BE49-F238E27FC236}">
+                <a16:creationId xmlns:a16="http://schemas.microsoft.com/office/drawing/2014/main" id="{A46864BA-2131-20DE-3573-F371CE7A9F91}"/>
+              </a:ext>
+            </a:extLst>
+          </p:cNvPr>
+          <p:cNvPicPr>
+            <a:picLocks noChangeAspect="1"/>
+          </p:cNvPicPr>
+          <p:nvPr/>
+        </p:nvPicPr>
+        <p:blipFill>
+          <a:blip r:embed="rId3"/>
+          <a:stretch>
+            <a:fillRect/>
+          </a:stretch>
+        </p:blipFill>
+        <p:spPr>
+          <a:xfrm>
+            <a:off x="508288" y="1109662"/>
+            <a:ext cx="5291138" cy="5291138"/>
+          </a:xfrm>
+          <a:prstGeom prst="rect">
+            <a:avLst/>
+          </a:prstGeom>
+        </p:spPr>
+      </p:pic>
+    </p:spTree>
+    <p:extLst>
+      <p:ext uri="{BB962C8B-B14F-4D97-AF65-F5344CB8AC3E}">
+        <p14:creationId xmlns:p14="http://schemas.microsoft.com/office/powerpoint/2010/main" val="3265804310"/>
+      </p:ext>
+    </p:extLst>
+  </p:cSld>
+  <p:clrMapOvr>
+    <a:masterClrMapping/>
+  </p:clrMapOvr>
+</p:sld>
+</file>
+
+<file path=ppt/slides/slide5.xml><?xml version="1.0" encoding="utf-8"?>
+<p:sld xmlns:a="http://schemas.openxmlformats.org/drawingml/2006/main" xmlns:r="http://schemas.openxmlformats.org/officeDocument/2006/relationships" xmlns:p="http://schemas.openxmlformats.org/presentationml/2006/main">
+  <p:cSld>
+    <p:bg>
+      <p:bgPr>
+        <a:solidFill>
+          <a:srgbClr val="7A001D"/>
+        </a:solidFill>
+        <a:effectLst/>
+      </p:bgPr>
+    </p:bg>
+    <p:spTree>
+      <p:nvGrpSpPr>
+        <p:cNvPr id="1" name=""/>
+        <p:cNvGrpSpPr/>
+        <p:nvPr/>
+      </p:nvGrpSpPr>
+      <p:grpSpPr>
+        <a:xfrm>
+          <a:off x="0" y="0"/>
+          <a:ext cx="0" cy="0"/>
+          <a:chOff x="0" y="0"/>
+          <a:chExt cx="0" cy="0"/>
+        </a:xfrm>
+      </p:grpSpPr>
+      <p:sp>
+        <p:nvSpPr>
+          <p:cNvPr id="2" name="標題 1">
+            <a:extLst>
+              <a:ext uri="{FF2B5EF4-FFF2-40B4-BE49-F238E27FC236}">
+                <a16:creationId xmlns:a16="http://schemas.microsoft.com/office/drawing/2014/main" id="{32532283-9F93-4E44-8138-32796965361F}"/>
+              </a:ext>
+            </a:extLst>
+          </p:cNvPr>
+          <p:cNvSpPr>
+            <a:spLocks noGrp="1"/>
+          </p:cNvSpPr>
+          <p:nvPr>
+            <p:ph type="ctrTitle"/>
+          </p:nvPr>
+        </p:nvSpPr>
+        <p:spPr>
+          <a:xfrm>
+            <a:off x="74263" y="114300"/>
+            <a:ext cx="2283176" cy="900111"/>
+          </a:xfrm>
+          <a:noFill/>
+        </p:spPr>
+        <p:txBody>
+          <a:bodyPr>
+            <a:normAutofit/>
+          </a:bodyPr>
+          <a:lstStyle/>
+          <a:p>
+            <a:pPr>
+              <a:lnSpc>
+                <a:spcPct val="150000"/>
+              </a:lnSpc>
+            </a:pPr>
+            <a:r>
+              <a:rPr lang="en-US" altLang="zh-TW" sz="3600" dirty="0">
+                <a:solidFill>
+                  <a:schemeClr val="bg1"/>
+                </a:solidFill>
+                <a:latin typeface="微軟正黑體" panose="020B0604030504040204" pitchFamily="34" charset="-120"/>
+                <a:ea typeface="微軟正黑體" panose="020B0604030504040204" pitchFamily="34" charset="-120"/>
+              </a:rPr>
+              <a:t>4.</a:t>
+            </a:r>
+            <a:r>
+              <a:rPr lang="zh-TW" altLang="en-US" sz="3600" dirty="0">
+                <a:solidFill>
+                  <a:schemeClr val="bg1"/>
+                </a:solidFill>
+                <a:latin typeface="微軟正黑體" panose="020B0604030504040204" pitchFamily="34" charset="-120"/>
+                <a:ea typeface="微軟正黑體" panose="020B0604030504040204" pitchFamily="34" charset="-120"/>
+              </a:rPr>
+              <a:t>結果</a:t>
+            </a:r>
+          </a:p>
+        </p:txBody>
+      </p:sp>
+      <p:pic>
+        <p:nvPicPr>
+          <p:cNvPr id="5" name="圖片 4" descr="一張含有 日本動畫, 卡通, 漫畫, 人的臉孔 的圖片&#10;&#10;自動產生的描述">
+            <a:extLst>
+              <a:ext uri="{FF2B5EF4-FFF2-40B4-BE49-F238E27FC236}">
+                <a16:creationId xmlns:a16="http://schemas.microsoft.com/office/drawing/2014/main" id="{A5CF52B9-04FC-2458-B553-62715AF76CDD}"/>
+              </a:ext>
+            </a:extLst>
+          </p:cNvPr>
+          <p:cNvPicPr>
+            <a:picLocks noChangeAspect="1"/>
+          </p:cNvPicPr>
+          <p:nvPr/>
+        </p:nvPicPr>
+        <p:blipFill>
+          <a:blip r:embed="rId3"/>
+          <a:stretch>
+            <a:fillRect/>
+          </a:stretch>
+        </p:blipFill>
+        <p:spPr>
+          <a:xfrm>
+            <a:off x="522317" y="1082733"/>
+            <a:ext cx="5660967" cy="5660967"/>
+          </a:xfrm>
+          <a:prstGeom prst="rect">
+            <a:avLst/>
+          </a:prstGeom>
+        </p:spPr>
+      </p:pic>
+    </p:spTree>
+    <p:extLst>
+      <p:ext uri="{BB962C8B-B14F-4D97-AF65-F5344CB8AC3E}">
+        <p14:creationId xmlns:p14="http://schemas.microsoft.com/office/powerpoint/2010/main" val="2199917933"/>
+      </p:ext>
+    </p:extLst>
+  </p:cSld>
+  <p:clrMapOvr>
+    <a:masterClrMapping/>
+  </p:clrMapOvr>
+</p:sld>
+</file>
+
+<file path=ppt/slides/slide6.xml><?xml version="1.0" encoding="utf-8"?>
+<p:sld xmlns:a="http://schemas.openxmlformats.org/drawingml/2006/main" xmlns:r="http://schemas.openxmlformats.org/officeDocument/2006/relationships" xmlns:p="http://schemas.openxmlformats.org/presentationml/2006/main">
+  <p:cSld>
+    <p:bg>
+      <p:bgPr>
+        <a:solidFill>
+          <a:srgbClr val="7A001D"/>
+        </a:solidFill>
+        <a:effectLst/>
+      </p:bgPr>
+    </p:bg>
+    <p:spTree>
+      <p:nvGrpSpPr>
+        <p:cNvPr id="1" name=""/>
+        <p:cNvGrpSpPr/>
+        <p:nvPr/>
+      </p:nvGrpSpPr>
+      <p:grpSpPr>
+        <a:xfrm>
+          <a:off x="0" y="0"/>
+          <a:ext cx="0" cy="0"/>
+          <a:chOff x="0" y="0"/>
+          <a:chExt cx="0" cy="0"/>
+        </a:xfrm>
+      </p:grpSpPr>
+      <p:sp>
+        <p:nvSpPr>
+          <p:cNvPr id="2" name="標題 1">
+            <a:extLst>
+              <a:ext uri="{FF2B5EF4-FFF2-40B4-BE49-F238E27FC236}">
+                <a16:creationId xmlns:a16="http://schemas.microsoft.com/office/drawing/2014/main" id="{32532283-9F93-4E44-8138-32796965361F}"/>
+              </a:ext>
+            </a:extLst>
+          </p:cNvPr>
+          <p:cNvSpPr>
+            <a:spLocks noGrp="1"/>
+          </p:cNvSpPr>
+          <p:nvPr>
+            <p:ph type="ctrTitle"/>
+          </p:nvPr>
+        </p:nvSpPr>
+        <p:spPr>
+          <a:xfrm>
+            <a:off x="74263" y="114300"/>
+            <a:ext cx="2283176" cy="900111"/>
+          </a:xfrm>
+          <a:noFill/>
+        </p:spPr>
+        <p:txBody>
+          <a:bodyPr>
+            <a:normAutofit/>
+          </a:bodyPr>
+          <a:lstStyle/>
+          <a:p>
+            <a:pPr>
+              <a:lnSpc>
+                <a:spcPct val="150000"/>
+              </a:lnSpc>
+            </a:pPr>
+            <a:r>
+              <a:rPr lang="en-US" altLang="zh-TW" sz="3600" dirty="0">
+                <a:solidFill>
+                  <a:schemeClr val="bg1"/>
+                </a:solidFill>
+                <a:latin typeface="微軟正黑體" panose="020B0604030504040204" pitchFamily="34" charset="-120"/>
+                <a:ea typeface="微軟正黑體" panose="020B0604030504040204" pitchFamily="34" charset="-120"/>
+              </a:rPr>
+              <a:t>5.</a:t>
+            </a:r>
+            <a:r>
+              <a:rPr lang="zh-TW" altLang="en-US" sz="3600" dirty="0">
+                <a:solidFill>
+                  <a:schemeClr val="bg1"/>
+                </a:solidFill>
+                <a:latin typeface="微軟正黑體" panose="020B0604030504040204" pitchFamily="34" charset="-120"/>
+                <a:ea typeface="微軟正黑體" panose="020B0604030504040204" pitchFamily="34" charset="-120"/>
+              </a:rPr>
+              <a:t>意外</a:t>
+            </a:r>
+          </a:p>
+        </p:txBody>
+      </p:sp>
+      <p:pic>
+        <p:nvPicPr>
+          <p:cNvPr id="5" name="圖片 4" descr="一張含有 日本動畫, 服裝, 卡通, 人的臉孔 的圖片&#10;&#10;自動產生的描述">
+            <a:extLst>
+              <a:ext uri="{FF2B5EF4-FFF2-40B4-BE49-F238E27FC236}">
+                <a16:creationId xmlns:a16="http://schemas.microsoft.com/office/drawing/2014/main" id="{2944C65B-A85B-092C-EF78-132DB08C87E9}"/>
+              </a:ext>
+            </a:extLst>
+          </p:cNvPr>
+          <p:cNvPicPr>
+            <a:picLocks noChangeAspect="1"/>
+          </p:cNvPicPr>
+          <p:nvPr/>
+        </p:nvPicPr>
+        <p:blipFill>
+          <a:blip r:embed="rId3">
+            <a:extLst>
+              <a:ext uri="{28A0092B-C50C-407E-A947-70E740481C1C}">
+                <a14:useLocalDpi xmlns:a14="http://schemas.microsoft.com/office/drawing/2010/main" val="0"/>
+              </a:ext>
+            </a:extLst>
+          </a:blip>
+          <a:stretch>
+            <a:fillRect/>
+          </a:stretch>
+        </p:blipFill>
+        <p:spPr>
+          <a:xfrm>
+            <a:off x="572193" y="1014411"/>
+            <a:ext cx="5777345" cy="5777345"/>
+          </a:xfrm>
+          <a:prstGeom prst="rect">
+            <a:avLst/>
+          </a:prstGeom>
+        </p:spPr>
+      </p:pic>
+    </p:spTree>
+    <p:extLst>
+      <p:ext uri="{BB962C8B-B14F-4D97-AF65-F5344CB8AC3E}">
+        <p14:creationId xmlns:p14="http://schemas.microsoft.com/office/powerpoint/2010/main" val="3697828650"/>
+      </p:ext>
+    </p:extLst>
+  </p:cSld>
+  <p:clrMapOvr>
+    <a:masterClrMapping/>
+  </p:clrMapOvr>
+</p:sld>
+</file>
+
+<file path=ppt/slides/slide7.xml><?xml version="1.0" encoding="utf-8"?>
+<p:sld xmlns:a="http://schemas.openxmlformats.org/drawingml/2006/main" xmlns:r="http://schemas.openxmlformats.org/officeDocument/2006/relationships" xmlns:p="http://schemas.openxmlformats.org/presentationml/2006/main">
+  <p:cSld>
+    <p:bg>
+      <p:bgPr>
+        <a:solidFill>
+          <a:srgbClr val="7A001D"/>
+        </a:solidFill>
+        <a:effectLst/>
+      </p:bgPr>
+    </p:bg>
+    <p:spTree>
+      <p:nvGrpSpPr>
+        <p:cNvPr id="1" name=""/>
+        <p:cNvGrpSpPr/>
+        <p:nvPr/>
+      </p:nvGrpSpPr>
+      <p:grpSpPr>
+        <a:xfrm>
+          <a:off x="0" y="0"/>
+          <a:ext cx="0" cy="0"/>
+          <a:chOff x="0" y="0"/>
+          <a:chExt cx="0" cy="0"/>
+        </a:xfrm>
+      </p:grpSpPr>
+      <p:sp>
+        <p:nvSpPr>
+          <p:cNvPr id="2" name="標題 1">
+            <a:extLst>
+              <a:ext uri="{FF2B5EF4-FFF2-40B4-BE49-F238E27FC236}">
+                <a16:creationId xmlns:a16="http://schemas.microsoft.com/office/drawing/2014/main" id="{32532283-9F93-4E44-8138-32796965361F}"/>
+              </a:ext>
+            </a:extLst>
+          </p:cNvPr>
+          <p:cNvSpPr>
+            <a:spLocks noGrp="1"/>
+          </p:cNvSpPr>
+          <p:nvPr>
+            <p:ph type="ctrTitle"/>
+          </p:nvPr>
+        </p:nvSpPr>
+        <p:spPr>
+          <a:xfrm>
+            <a:off x="74263" y="114300"/>
+            <a:ext cx="2283176" cy="900111"/>
+          </a:xfrm>
+          <a:noFill/>
+        </p:spPr>
+        <p:txBody>
+          <a:bodyPr>
+            <a:normAutofit/>
+          </a:bodyPr>
+          <a:lstStyle/>
+          <a:p>
+            <a:pPr>
+              <a:lnSpc>
+                <a:spcPct val="150000"/>
+              </a:lnSpc>
+            </a:pPr>
+            <a:r>
+              <a:rPr lang="en-US" altLang="zh-TW" sz="3600" dirty="0">
+                <a:solidFill>
+                  <a:schemeClr val="bg1"/>
+                </a:solidFill>
+                <a:latin typeface="微軟正黑體" panose="020B0604030504040204" pitchFamily="34" charset="-120"/>
+                <a:ea typeface="微軟正黑體" panose="020B0604030504040204" pitchFamily="34" charset="-120"/>
+              </a:rPr>
+              <a:t>6.</a:t>
+            </a:r>
+            <a:r>
+              <a:rPr lang="zh-TW" altLang="en-US" sz="3600" dirty="0">
+                <a:solidFill>
+                  <a:schemeClr val="bg1"/>
+                </a:solidFill>
+                <a:latin typeface="微軟正黑體" panose="020B0604030504040204" pitchFamily="34" charset="-120"/>
+                <a:ea typeface="微軟正黑體" panose="020B0604030504040204" pitchFamily="34" charset="-120"/>
+              </a:rPr>
+              <a:t>轉彎</a:t>
+            </a:r>
+          </a:p>
+        </p:txBody>
+      </p:sp>
+      <p:pic>
+        <p:nvPicPr>
+          <p:cNvPr id="5" name="圖片 4" descr="一張含有 日本動畫, 卡通, 虛構角色, 漫畫 的圖片&#10;&#10;自動產生的描述">
+            <a:extLst>
+              <a:ext uri="{FF2B5EF4-FFF2-40B4-BE49-F238E27FC236}">
+                <a16:creationId xmlns:a16="http://schemas.microsoft.com/office/drawing/2014/main" id="{85370CF1-1CFD-68D0-2172-8A8F45EFFC08}"/>
+              </a:ext>
+            </a:extLst>
+          </p:cNvPr>
+          <p:cNvPicPr>
+            <a:picLocks noChangeAspect="1"/>
+          </p:cNvPicPr>
+          <p:nvPr/>
+        </p:nvPicPr>
+        <p:blipFill>
+          <a:blip r:embed="rId3"/>
+          <a:stretch>
+            <a:fillRect/>
+          </a:stretch>
+        </p:blipFill>
+        <p:spPr>
+          <a:xfrm>
+            <a:off x="556953" y="1014411"/>
+            <a:ext cx="5539047" cy="5539047"/>
+          </a:xfrm>
+          <a:prstGeom prst="rect">
+            <a:avLst/>
+          </a:prstGeom>
+        </p:spPr>
+      </p:pic>
+    </p:spTree>
+    <p:extLst>
+      <p:ext uri="{BB962C8B-B14F-4D97-AF65-F5344CB8AC3E}">
+        <p14:creationId xmlns:p14="http://schemas.microsoft.com/office/powerpoint/2010/main" val="3175247281"/>
+      </p:ext>
+    </p:extLst>
+  </p:cSld>
+  <p:clrMapOvr>
+    <a:masterClrMapping/>
+  </p:clrMapOvr>
+</p:sld>
+</file>
+
+<file path=ppt/slides/slide8.xml><?xml version="1.0" encoding="utf-8"?>
+<p:sld xmlns:a="http://schemas.openxmlformats.org/drawingml/2006/main" xmlns:r="http://schemas.openxmlformats.org/officeDocument/2006/relationships" xmlns:p="http://schemas.openxmlformats.org/presentationml/2006/main">
+  <p:cSld>
+    <p:bg>
+      <p:bgPr>
+        <a:solidFill>
+          <a:srgbClr val="7A001D"/>
+        </a:solidFill>
+        <a:effectLst/>
+      </p:bgPr>
+    </p:bg>
+    <p:spTree>
+      <p:nvGrpSpPr>
+        <p:cNvPr id="1" name=""/>
+        <p:cNvGrpSpPr/>
+        <p:nvPr/>
+      </p:nvGrpSpPr>
+      <p:grpSpPr>
+        <a:xfrm>
+          <a:off x="0" y="0"/>
+          <a:ext cx="0" cy="0"/>
+          <a:chOff x="0" y="0"/>
+          <a:chExt cx="0" cy="0"/>
+        </a:xfrm>
+      </p:grpSpPr>
+      <p:sp>
+        <p:nvSpPr>
+          <p:cNvPr id="2" name="標題 1">
+            <a:extLst>
+              <a:ext uri="{FF2B5EF4-FFF2-40B4-BE49-F238E27FC236}">
+                <a16:creationId xmlns:a16="http://schemas.microsoft.com/office/drawing/2014/main" id="{32532283-9F93-4E44-8138-32796965361F}"/>
+              </a:ext>
+            </a:extLst>
+          </p:cNvPr>
+          <p:cNvSpPr>
+            <a:spLocks noGrp="1"/>
+          </p:cNvSpPr>
+          <p:nvPr>
+            <p:ph type="ctrTitle"/>
+          </p:nvPr>
+        </p:nvSpPr>
+        <p:spPr>
+          <a:xfrm>
+            <a:off x="74263" y="114300"/>
+            <a:ext cx="2283176" cy="900111"/>
+          </a:xfrm>
+          <a:noFill/>
+        </p:spPr>
+        <p:txBody>
+          <a:bodyPr>
+            <a:normAutofit/>
+          </a:bodyPr>
+          <a:lstStyle/>
+          <a:p>
+            <a:pPr>
+              <a:lnSpc>
+                <a:spcPct val="150000"/>
+              </a:lnSpc>
+            </a:pPr>
+            <a:r>
+              <a:rPr lang="en-US" altLang="zh-TW" sz="3600" dirty="0">
+                <a:solidFill>
+                  <a:schemeClr val="bg1"/>
+                </a:solidFill>
+                <a:latin typeface="微軟正黑體" panose="020B0604030504040204" pitchFamily="34" charset="-120"/>
+                <a:ea typeface="微軟正黑體" panose="020B0604030504040204" pitchFamily="34" charset="-120"/>
+              </a:rPr>
+              <a:t>7.</a:t>
+            </a:r>
+            <a:r>
+              <a:rPr lang="zh-TW" altLang="en-US" sz="3600" dirty="0">
+                <a:solidFill>
+                  <a:schemeClr val="bg1"/>
+                </a:solidFill>
+                <a:latin typeface="微軟正黑體" panose="020B0604030504040204" pitchFamily="34" charset="-120"/>
+                <a:ea typeface="微軟正黑體" panose="020B0604030504040204" pitchFamily="34" charset="-120"/>
+              </a:rPr>
+              <a:t>結局</a:t>
+            </a:r>
+          </a:p>
+        </p:txBody>
+      </p:sp>
+      <p:pic>
+        <p:nvPicPr>
+          <p:cNvPr id="5" name="圖片 4" descr="一張含有 日本動畫, 卡通, 漫畫, 人的臉孔 的圖片&#10;&#10;自動產生的描述">
+            <a:extLst>
+              <a:ext uri="{FF2B5EF4-FFF2-40B4-BE49-F238E27FC236}">
+                <a16:creationId xmlns:a16="http://schemas.microsoft.com/office/drawing/2014/main" id="{1967492C-DE77-1D81-7E44-BDCE26B79DFF}"/>
+              </a:ext>
+            </a:extLst>
+          </p:cNvPr>
+          <p:cNvPicPr>
+            <a:picLocks noChangeAspect="1"/>
+          </p:cNvPicPr>
+          <p:nvPr/>
+        </p:nvPicPr>
+        <p:blipFill>
+          <a:blip r:embed="rId3"/>
+          <a:stretch>
+            <a:fillRect/>
+          </a:stretch>
+        </p:blipFill>
+        <p:spPr>
+          <a:xfrm>
+            <a:off x="529244" y="1097281"/>
+            <a:ext cx="5566756" cy="5566756"/>
+          </a:xfrm>
+          <a:prstGeom prst="rect">
+            <a:avLst/>
+          </a:prstGeom>
+        </p:spPr>
+      </p:pic>
+    </p:spTree>
+    <p:extLst>
+      <p:ext uri="{BB962C8B-B14F-4D97-AF65-F5344CB8AC3E}">
+        <p14:creationId xmlns:p14="http://schemas.microsoft.com/office/powerpoint/2010/main" val="3922330065"/>
       </p:ext>
     </p:extLst>
   </p:cSld>
@@ -3677,4 +5667,319 @@
     </a:ext>
   </a:extLst>
 </a:theme>
+</file>
+
+<file path=ppt/theme/theme2.xml><?xml version="1.0" encoding="utf-8"?>
+<a:theme xmlns:a="http://schemas.openxmlformats.org/drawingml/2006/main" name="Office 佈景主題">
+  <a:themeElements>
+    <a:clrScheme name="Office">
+      <a:dk1>
+        <a:sysClr val="windowText" lastClr="000000"/>
+      </a:dk1>
+      <a:lt1>
+        <a:sysClr val="window" lastClr="FFFFFF"/>
+      </a:lt1>
+      <a:dk2>
+        <a:srgbClr val="0E2841"/>
+      </a:dk2>
+      <a:lt2>
+        <a:srgbClr val="E8E8E8"/>
+      </a:lt2>
+      <a:accent1>
+        <a:srgbClr val="156082"/>
+      </a:accent1>
+      <a:accent2>
+        <a:srgbClr val="E97132"/>
+      </a:accent2>
+      <a:accent3>
+        <a:srgbClr val="196B24"/>
+      </a:accent3>
+      <a:accent4>
+        <a:srgbClr val="0F9ED5"/>
+      </a:accent4>
+      <a:accent5>
+        <a:srgbClr val="A02B93"/>
+      </a:accent5>
+      <a:accent6>
+        <a:srgbClr val="4EA72E"/>
+      </a:accent6>
+      <a:hlink>
+        <a:srgbClr val="467886"/>
+      </a:hlink>
+      <a:folHlink>
+        <a:srgbClr val="96607D"/>
+      </a:folHlink>
+    </a:clrScheme>
+    <a:fontScheme name="Office">
+      <a:majorFont>
+        <a:latin typeface="Aptos Display" panose="02110004020202020204"/>
+        <a:ea typeface=""/>
+        <a:cs typeface=""/>
+        <a:font script="Jpan" typeface="游ゴシック Light"/>
+        <a:font script="Hang" typeface="맑은 고딕"/>
+        <a:font script="Hans" typeface="等线 Light"/>
+        <a:font script="Hant" typeface="新細明體"/>
+        <a:font script="Arab" typeface="Times New Roman"/>
+        <a:font script="Hebr" typeface="Times New Roman"/>
+        <a:font script="Thai" typeface="Angsana New"/>
+        <a:font script="Ethi" typeface="Nyala"/>
+        <a:font script="Beng" typeface="Vrinda"/>
+        <a:font script="Gujr" typeface="Shruti"/>
+        <a:font script="Khmr" typeface="MoolBoran"/>
+        <a:font script="Knda" typeface="Tunga"/>
+        <a:font script="Guru" typeface="Raavi"/>
+        <a:font script="Cans" typeface="Euphemia"/>
+        <a:font script="Cher" typeface="Plantagenet Cherokee"/>
+        <a:font script="Yiii" typeface="Microsoft Yi Baiti"/>
+        <a:font script="Tibt" typeface="Microsoft Himalaya"/>
+        <a:font script="Thaa" typeface="MV Boli"/>
+        <a:font script="Deva" typeface="Mangal"/>
+        <a:font script="Telu" typeface="Gautami"/>
+        <a:font script="Taml" typeface="Latha"/>
+        <a:font script="Syrc" typeface="Estrangelo Edessa"/>
+        <a:font script="Orya" typeface="Kalinga"/>
+        <a:font script="Mlym" typeface="Kartika"/>
+        <a:font script="Laoo" typeface="DokChampa"/>
+        <a:font script="Sinh" typeface="Iskoola Pota"/>
+        <a:font script="Mong" typeface="Mongolian Baiti"/>
+        <a:font script="Viet" typeface="Times New Roman"/>
+        <a:font script="Uigh" typeface="Microsoft Uighur"/>
+        <a:font script="Geor" typeface="Sylfaen"/>
+        <a:font script="Armn" typeface="Arial"/>
+        <a:font script="Bugi" typeface="Leelawadee UI"/>
+        <a:font script="Bopo" typeface="Microsoft JhengHei"/>
+        <a:font script="Java" typeface="Javanese Text"/>
+        <a:font script="Lisu" typeface="Segoe UI"/>
+        <a:font script="Mymr" typeface="Myanmar Text"/>
+        <a:font script="Nkoo" typeface="Ebrima"/>
+        <a:font script="Olck" typeface="Nirmala UI"/>
+        <a:font script="Osma" typeface="Ebrima"/>
+        <a:font script="Phag" typeface="Phagspa"/>
+        <a:font script="Syrn" typeface="Estrangelo Edessa"/>
+        <a:font script="Syrj" typeface="Estrangelo Edessa"/>
+        <a:font script="Syre" typeface="Estrangelo Edessa"/>
+        <a:font script="Sora" typeface="Nirmala UI"/>
+        <a:font script="Tale" typeface="Microsoft Tai Le"/>
+        <a:font script="Talu" typeface="Microsoft New Tai Lue"/>
+        <a:font script="Tfng" typeface="Ebrima"/>
+      </a:majorFont>
+      <a:minorFont>
+        <a:latin typeface="Aptos" panose="02110004020202020204"/>
+        <a:ea typeface=""/>
+        <a:cs typeface=""/>
+        <a:font script="Jpan" typeface="游ゴシック"/>
+        <a:font script="Hang" typeface="맑은 고딕"/>
+        <a:font script="Hans" typeface="等线"/>
+        <a:font script="Hant" typeface="新細明體"/>
+        <a:font script="Arab" typeface="Arial"/>
+        <a:font script="Hebr" typeface="Arial"/>
+        <a:font script="Thai" typeface="Cordia New"/>
+        <a:font script="Ethi" typeface="Nyala"/>
+        <a:font script="Beng" typeface="Vrinda"/>
+        <a:font script="Gujr" typeface="Shruti"/>
+        <a:font script="Khmr" typeface="DaunPenh"/>
+        <a:font script="Knda" typeface="Tunga"/>
+        <a:font script="Guru" typeface="Raavi"/>
+        <a:font script="Cans" typeface="Euphemia"/>
+        <a:font script="Cher" typeface="Plantagenet Cherokee"/>
+        <a:font script="Yiii" typeface="Microsoft Yi Baiti"/>
+        <a:font script="Tibt" typeface="Microsoft Himalaya"/>
+        <a:font script="Thaa" typeface="MV Boli"/>
+        <a:font script="Deva" typeface="Mangal"/>
+        <a:font script="Telu" typeface="Gautami"/>
+        <a:font script="Taml" typeface="Latha"/>
+        <a:font script="Syrc" typeface="Estrangelo Edessa"/>
+        <a:font script="Orya" typeface="Kalinga"/>
+        <a:font script="Mlym" typeface="Kartika"/>
+        <a:font script="Laoo" typeface="DokChampa"/>
+        <a:font script="Sinh" typeface="Iskoola Pota"/>
+        <a:font script="Mong" typeface="Mongolian Baiti"/>
+        <a:font script="Viet" typeface="Arial"/>
+        <a:font script="Uigh" typeface="Microsoft Uighur"/>
+        <a:font script="Geor" typeface="Sylfaen"/>
+        <a:font script="Armn" typeface="Arial"/>
+        <a:font script="Bugi" typeface="Leelawadee UI"/>
+        <a:font script="Bopo" typeface="Microsoft JhengHei"/>
+        <a:font script="Java" typeface="Javanese Text"/>
+        <a:font script="Lisu" typeface="Segoe UI"/>
+        <a:font script="Mymr" typeface="Myanmar Text"/>
+        <a:font script="Nkoo" typeface="Ebrima"/>
+        <a:font script="Olck" typeface="Nirmala UI"/>
+        <a:font script="Osma" typeface="Ebrima"/>
+        <a:font script="Phag" typeface="Phagspa"/>
+        <a:font script="Syrn" typeface="Estrangelo Edessa"/>
+        <a:font script="Syrj" typeface="Estrangelo Edessa"/>
+        <a:font script="Syre" typeface="Estrangelo Edessa"/>
+        <a:font script="Sora" typeface="Nirmala UI"/>
+        <a:font script="Tale" typeface="Microsoft Tai Le"/>
+        <a:font script="Talu" typeface="Microsoft New Tai Lue"/>
+        <a:font script="Tfng" typeface="Ebrima"/>
+      </a:minorFont>
+    </a:fontScheme>
+    <a:fmtScheme name="Office">
+      <a:fillStyleLst>
+        <a:solidFill>
+          <a:schemeClr val="phClr"/>
+        </a:solidFill>
+        <a:gradFill rotWithShape="1">
+          <a:gsLst>
+            <a:gs pos="0">
+              <a:schemeClr val="phClr">
+                <a:lumMod val="110000"/>
+                <a:satMod val="105000"/>
+                <a:tint val="67000"/>
+              </a:schemeClr>
+            </a:gs>
+            <a:gs pos="50000">
+              <a:schemeClr val="phClr">
+                <a:lumMod val="105000"/>
+                <a:satMod val="103000"/>
+                <a:tint val="73000"/>
+              </a:schemeClr>
+            </a:gs>
+            <a:gs pos="100000">
+              <a:schemeClr val="phClr">
+                <a:lumMod val="105000"/>
+                <a:satMod val="109000"/>
+                <a:tint val="81000"/>
+              </a:schemeClr>
+            </a:gs>
+          </a:gsLst>
+          <a:lin ang="5400000" scaled="0"/>
+        </a:gradFill>
+        <a:gradFill rotWithShape="1">
+          <a:gsLst>
+            <a:gs pos="0">
+              <a:schemeClr val="phClr">
+                <a:satMod val="103000"/>
+                <a:lumMod val="102000"/>
+                <a:tint val="94000"/>
+              </a:schemeClr>
+            </a:gs>
+            <a:gs pos="50000">
+              <a:schemeClr val="phClr">
+                <a:satMod val="110000"/>
+                <a:lumMod val="100000"/>
+                <a:shade val="100000"/>
+              </a:schemeClr>
+            </a:gs>
+            <a:gs pos="100000">
+              <a:schemeClr val="phClr">
+                <a:lumMod val="99000"/>
+                <a:satMod val="120000"/>
+                <a:shade val="78000"/>
+              </a:schemeClr>
+            </a:gs>
+          </a:gsLst>
+          <a:lin ang="5400000" scaled="0"/>
+        </a:gradFill>
+      </a:fillStyleLst>
+      <a:lnStyleLst>
+        <a:ln w="12700" cap="flat" cmpd="sng" algn="ctr">
+          <a:solidFill>
+            <a:schemeClr val="phClr"/>
+          </a:solidFill>
+          <a:prstDash val="solid"/>
+          <a:miter lim="800000"/>
+        </a:ln>
+        <a:ln w="19050" cap="flat" cmpd="sng" algn="ctr">
+          <a:solidFill>
+            <a:schemeClr val="phClr"/>
+          </a:solidFill>
+          <a:prstDash val="solid"/>
+          <a:miter lim="800000"/>
+        </a:ln>
+        <a:ln w="25400" cap="flat" cmpd="sng" algn="ctr">
+          <a:solidFill>
+            <a:schemeClr val="phClr"/>
+          </a:solidFill>
+          <a:prstDash val="solid"/>
+          <a:miter lim="800000"/>
+        </a:ln>
+      </a:lnStyleLst>
+      <a:effectStyleLst>
+        <a:effectStyle>
+          <a:effectLst/>
+        </a:effectStyle>
+        <a:effectStyle>
+          <a:effectLst/>
+        </a:effectStyle>
+        <a:effectStyle>
+          <a:effectLst>
+            <a:outerShdw blurRad="57150" dist="19050" dir="5400000" algn="ctr" rotWithShape="0">
+              <a:srgbClr val="000000">
+                <a:alpha val="63000"/>
+              </a:srgbClr>
+            </a:outerShdw>
+          </a:effectLst>
+        </a:effectStyle>
+      </a:effectStyleLst>
+      <a:bgFillStyleLst>
+        <a:solidFill>
+          <a:schemeClr val="phClr"/>
+        </a:solidFill>
+        <a:solidFill>
+          <a:schemeClr val="phClr">
+            <a:tint val="95000"/>
+            <a:satMod val="170000"/>
+          </a:schemeClr>
+        </a:solidFill>
+        <a:gradFill rotWithShape="1">
+          <a:gsLst>
+            <a:gs pos="0">
+              <a:schemeClr val="phClr">
+                <a:tint val="93000"/>
+                <a:satMod val="150000"/>
+                <a:shade val="98000"/>
+                <a:lumMod val="102000"/>
+              </a:schemeClr>
+            </a:gs>
+            <a:gs pos="50000">
+              <a:schemeClr val="phClr">
+                <a:tint val="98000"/>
+                <a:satMod val="130000"/>
+                <a:shade val="90000"/>
+                <a:lumMod val="103000"/>
+              </a:schemeClr>
+            </a:gs>
+            <a:gs pos="100000">
+              <a:schemeClr val="phClr">
+                <a:shade val="63000"/>
+                <a:satMod val="120000"/>
+              </a:schemeClr>
+            </a:gs>
+          </a:gsLst>
+          <a:lin ang="5400000" scaled="0"/>
+        </a:gradFill>
+      </a:bgFillStyleLst>
+    </a:fmtScheme>
+  </a:themeElements>
+  <a:objectDefaults>
+    <a:lnDef>
+      <a:spPr/>
+      <a:bodyPr/>
+      <a:lstStyle/>
+      <a:style>
+        <a:lnRef idx="2">
+          <a:schemeClr val="accent1"/>
+        </a:lnRef>
+        <a:fillRef idx="0">
+          <a:schemeClr val="accent1"/>
+        </a:fillRef>
+        <a:effectRef idx="1">
+          <a:schemeClr val="accent1"/>
+        </a:effectRef>
+        <a:fontRef idx="minor">
+          <a:schemeClr val="tx1"/>
+        </a:fontRef>
+      </a:style>
+    </a:lnDef>
+  </a:objectDefaults>
+  <a:extraClrSchemeLst/>
+  <a:extLst>
+    <a:ext uri="{05A4C25C-085E-4340-85A3-A5531E510DB2}">
+      <thm15:themeFamily xmlns:thm15="http://schemas.microsoft.com/office/thememl/2012/main" name="Office Theme" id="{2E142A2C-CD16-42D6-873A-C26D2A0506FA}" vid="{1BDDFF52-6CD6-40A5-AB3C-68EB2F1E4D0A}"/>
+    </a:ext>
+  </a:extLst>
+</a:theme>
 </file>